--- a/michal frishman.pptx
+++ b/michal frishman.pptx
@@ -260,7 +260,7 @@
           <a:p>
             <a:fld id="{EFC81BCF-26DE-4B7E-A1D2-560DC9402B9F}" type="datetimeFigureOut">
               <a:rPr lang="he-IL" smtClean="0"/>
-              <a:t>ה'/שבט/תשפ"ה</a:t>
+              <a:t>ו'/שבט/תשפ"ה</a:t>
             </a:fld>
             <a:endParaRPr lang="he-IL"/>
           </a:p>
@@ -458,7 +458,7 @@
           <a:p>
             <a:fld id="{EFC81BCF-26DE-4B7E-A1D2-560DC9402B9F}" type="datetimeFigureOut">
               <a:rPr lang="he-IL" smtClean="0"/>
-              <a:t>ה'/שבט/תשפ"ה</a:t>
+              <a:t>ו'/שבט/תשפ"ה</a:t>
             </a:fld>
             <a:endParaRPr lang="he-IL"/>
           </a:p>
@@ -666,7 +666,7 @@
           <a:p>
             <a:fld id="{EFC81BCF-26DE-4B7E-A1D2-560DC9402B9F}" type="datetimeFigureOut">
               <a:rPr lang="he-IL" smtClean="0"/>
-              <a:t>ה'/שבט/תשפ"ה</a:t>
+              <a:t>ו'/שבט/תשפ"ה</a:t>
             </a:fld>
             <a:endParaRPr lang="he-IL"/>
           </a:p>
@@ -864,7 +864,7 @@
           <a:p>
             <a:fld id="{EFC81BCF-26DE-4B7E-A1D2-560DC9402B9F}" type="datetimeFigureOut">
               <a:rPr lang="he-IL" smtClean="0"/>
-              <a:t>ה'/שבט/תשפ"ה</a:t>
+              <a:t>ו'/שבט/תשפ"ה</a:t>
             </a:fld>
             <a:endParaRPr lang="he-IL"/>
           </a:p>
@@ -1139,7 +1139,7 @@
           <a:p>
             <a:fld id="{EFC81BCF-26DE-4B7E-A1D2-560DC9402B9F}" type="datetimeFigureOut">
               <a:rPr lang="he-IL" smtClean="0"/>
-              <a:t>ה'/שבט/תשפ"ה</a:t>
+              <a:t>ו'/שבט/תשפ"ה</a:t>
             </a:fld>
             <a:endParaRPr lang="he-IL"/>
           </a:p>
@@ -1404,7 +1404,7 @@
           <a:p>
             <a:fld id="{EFC81BCF-26DE-4B7E-A1D2-560DC9402B9F}" type="datetimeFigureOut">
               <a:rPr lang="he-IL" smtClean="0"/>
-              <a:t>ה'/שבט/תשפ"ה</a:t>
+              <a:t>ו'/שבט/תשפ"ה</a:t>
             </a:fld>
             <a:endParaRPr lang="he-IL"/>
           </a:p>
@@ -1816,7 +1816,7 @@
           <a:p>
             <a:fld id="{EFC81BCF-26DE-4B7E-A1D2-560DC9402B9F}" type="datetimeFigureOut">
               <a:rPr lang="he-IL" smtClean="0"/>
-              <a:t>ה'/שבט/תשפ"ה</a:t>
+              <a:t>ו'/שבט/תשפ"ה</a:t>
             </a:fld>
             <a:endParaRPr lang="he-IL"/>
           </a:p>
@@ -1957,7 +1957,7 @@
           <a:p>
             <a:fld id="{EFC81BCF-26DE-4B7E-A1D2-560DC9402B9F}" type="datetimeFigureOut">
               <a:rPr lang="he-IL" smtClean="0"/>
-              <a:t>ה'/שבט/תשפ"ה</a:t>
+              <a:t>ו'/שבט/תשפ"ה</a:t>
             </a:fld>
             <a:endParaRPr lang="he-IL"/>
           </a:p>
@@ -2070,7 +2070,7 @@
           <a:p>
             <a:fld id="{EFC81BCF-26DE-4B7E-A1D2-560DC9402B9F}" type="datetimeFigureOut">
               <a:rPr lang="he-IL" smtClean="0"/>
-              <a:t>ה'/שבט/תשפ"ה</a:t>
+              <a:t>ו'/שבט/תשפ"ה</a:t>
             </a:fld>
             <a:endParaRPr lang="he-IL"/>
           </a:p>
@@ -2381,7 +2381,7 @@
           <a:p>
             <a:fld id="{EFC81BCF-26DE-4B7E-A1D2-560DC9402B9F}" type="datetimeFigureOut">
               <a:rPr lang="he-IL" smtClean="0"/>
-              <a:t>ה'/שבט/תשפ"ה</a:t>
+              <a:t>ו'/שבט/תשפ"ה</a:t>
             </a:fld>
             <a:endParaRPr lang="he-IL"/>
           </a:p>
@@ -2669,7 +2669,7 @@
           <a:p>
             <a:fld id="{EFC81BCF-26DE-4B7E-A1D2-560DC9402B9F}" type="datetimeFigureOut">
               <a:rPr lang="he-IL" smtClean="0"/>
-              <a:t>ה'/שבט/תשפ"ה</a:t>
+              <a:t>ו'/שבט/תשפ"ה</a:t>
             </a:fld>
             <a:endParaRPr lang="he-IL"/>
           </a:p>
@@ -2910,7 +2910,7 @@
           <a:p>
             <a:fld id="{EFC81BCF-26DE-4B7E-A1D2-560DC9402B9F}" type="datetimeFigureOut">
               <a:rPr lang="he-IL" smtClean="0"/>
-              <a:t>ה'/שבט/תשפ"ה</a:t>
+              <a:t>ו'/שבט/תשפ"ה</a:t>
             </a:fld>
             <a:endParaRPr lang="he-IL"/>
           </a:p>
@@ -3347,6 +3347,14 @@
           <a:prstGeom prst="rect">
             <a:avLst/>
           </a:prstGeom>
+          <a:solidFill>
+            <a:schemeClr val="bg1"/>
+          </a:solidFill>
+          <a:ln w="19050">
+            <a:solidFill>
+              <a:schemeClr val="tx1"/>
+            </a:solidFill>
+          </a:ln>
         </p:spPr>
         <p:style>
           <a:lnRef idx="2">
@@ -3370,10 +3378,18 @@
           <a:p>
             <a:pPr algn="ctr"/>
             <a:r>
-              <a:rPr lang="en-US" sz="1801" dirty="0"/>
+              <a:rPr lang="en-US" sz="1801" dirty="0">
+                <a:solidFill>
+                  <a:schemeClr val="tx1"/>
+                </a:solidFill>
+              </a:rPr>
               <a:t>App</a:t>
             </a:r>
-            <a:endParaRPr lang="he-IL" sz="1801" dirty="0"/>
+            <a:endParaRPr lang="he-IL" sz="1801" dirty="0">
+              <a:solidFill>
+                <a:schemeClr val="tx1"/>
+              </a:solidFill>
+            </a:endParaRPr>
           </a:p>
         </p:txBody>
       </p:sp>
@@ -3397,6 +3413,14 @@
           <a:prstGeom prst="rect">
             <a:avLst/>
           </a:prstGeom>
+          <a:solidFill>
+            <a:schemeClr val="bg1"/>
+          </a:solidFill>
+          <a:ln w="19050">
+            <a:solidFill>
+              <a:schemeClr val="tx1"/>
+            </a:solidFill>
+          </a:ln>
         </p:spPr>
         <p:style>
           <a:lnRef idx="2">
@@ -3420,10 +3444,18 @@
           <a:p>
             <a:pPr algn="ctr"/>
             <a:r>
-              <a:rPr lang="en-US" sz="1801" dirty="0"/>
+              <a:rPr lang="en-US" sz="1801" dirty="0">
+                <a:solidFill>
+                  <a:schemeClr val="tx1"/>
+                </a:solidFill>
+              </a:rPr>
               <a:t>Context provider</a:t>
             </a:r>
-            <a:endParaRPr lang="he-IL" sz="1801" dirty="0"/>
+            <a:endParaRPr lang="he-IL" sz="1801" dirty="0">
+              <a:solidFill>
+                <a:schemeClr val="tx1"/>
+              </a:solidFill>
+            </a:endParaRPr>
           </a:p>
         </p:txBody>
       </p:sp>
@@ -3447,6 +3479,14 @@
           <a:prstGeom prst="rect">
             <a:avLst/>
           </a:prstGeom>
+          <a:solidFill>
+            <a:schemeClr val="bg1"/>
+          </a:solidFill>
+          <a:ln w="19050">
+            <a:solidFill>
+              <a:schemeClr val="tx1"/>
+            </a:solidFill>
+          </a:ln>
         </p:spPr>
         <p:style>
           <a:lnRef idx="2">
@@ -3470,10 +3510,18 @@
           <a:p>
             <a:pPr algn="ctr"/>
             <a:r>
-              <a:rPr lang="en-US" sz="1801" dirty="0"/>
+              <a:rPr lang="en-US" sz="1801" dirty="0">
+                <a:solidFill>
+                  <a:schemeClr val="tx1"/>
+                </a:solidFill>
+              </a:rPr>
               <a:t>Redux provider</a:t>
             </a:r>
-            <a:endParaRPr lang="he-IL" sz="1801" dirty="0"/>
+            <a:endParaRPr lang="he-IL" sz="1801" dirty="0">
+              <a:solidFill>
+                <a:schemeClr val="tx1"/>
+              </a:solidFill>
+            </a:endParaRPr>
           </a:p>
         </p:txBody>
       </p:sp>
@@ -3497,6 +3545,14 @@
           <a:prstGeom prst="rect">
             <a:avLst/>
           </a:prstGeom>
+          <a:solidFill>
+            <a:schemeClr val="bg1"/>
+          </a:solidFill>
+          <a:ln w="19050">
+            <a:solidFill>
+              <a:schemeClr val="tx1"/>
+            </a:solidFill>
+          </a:ln>
         </p:spPr>
         <p:style>
           <a:lnRef idx="2">
@@ -3520,110 +3576,18 @@
           <a:p>
             <a:pPr algn="ctr"/>
             <a:r>
-              <a:rPr lang="en-US" sz="1801" dirty="0"/>
+              <a:rPr lang="en-US" sz="1801" dirty="0">
+                <a:solidFill>
+                  <a:schemeClr val="tx1"/>
+                </a:solidFill>
+              </a:rPr>
               <a:t>Router</a:t>
             </a:r>
-            <a:endParaRPr lang="he-IL" sz="1801" dirty="0"/>
-          </a:p>
-        </p:txBody>
-      </p:sp>
-      <p:sp>
-        <p:nvSpPr>
-          <p:cNvPr id="8" name="מלבן 7">
-            <a:extLst>
-              <a:ext uri="{FF2B5EF4-FFF2-40B4-BE49-F238E27FC236}">
-                <a16:creationId xmlns:a16="http://schemas.microsoft.com/office/drawing/2014/main" id="{6BB35B14-8F49-4864-83E4-2FB370242F35}"/>
-              </a:ext>
-            </a:extLst>
-          </p:cNvPr>
-          <p:cNvSpPr/>
-          <p:nvPr/>
-        </p:nvSpPr>
-        <p:spPr>
-          <a:xfrm>
-            <a:off x="5313609" y="3048160"/>
-            <a:ext cx="1593669" cy="509451"/>
-          </a:xfrm>
-          <a:prstGeom prst="rect">
-            <a:avLst/>
-          </a:prstGeom>
-        </p:spPr>
-        <p:style>
-          <a:lnRef idx="2">
-            <a:schemeClr val="accent1">
-              <a:shade val="50000"/>
-            </a:schemeClr>
-          </a:lnRef>
-          <a:fillRef idx="1">
-            <a:schemeClr val="accent1"/>
-          </a:fillRef>
-          <a:effectRef idx="0">
-            <a:schemeClr val="accent1"/>
-          </a:effectRef>
-          <a:fontRef idx="minor">
-            <a:schemeClr val="lt1"/>
-          </a:fontRef>
-        </p:style>
-        <p:txBody>
-          <a:bodyPr rtlCol="1" anchor="ctr"/>
-          <a:lstStyle/>
-          <a:p>
-            <a:pPr algn="ctr"/>
-            <a:r>
-              <a:rPr lang="en-US" sz="1801" dirty="0" err="1"/>
-              <a:t>AppLayuot</a:t>
-            </a:r>
-            <a:endParaRPr lang="he-IL" sz="1801" dirty="0"/>
-          </a:p>
-        </p:txBody>
-      </p:sp>
-      <p:sp>
-        <p:nvSpPr>
-          <p:cNvPr id="9" name="מלבן 8">
-            <a:extLst>
-              <a:ext uri="{FF2B5EF4-FFF2-40B4-BE49-F238E27FC236}">
-                <a16:creationId xmlns:a16="http://schemas.microsoft.com/office/drawing/2014/main" id="{6A2E2622-E9EB-4501-9AAC-E63CE4EE22CE}"/>
-              </a:ext>
-            </a:extLst>
-          </p:cNvPr>
-          <p:cNvSpPr/>
-          <p:nvPr/>
-        </p:nvSpPr>
-        <p:spPr>
-          <a:xfrm>
-            <a:off x="5313609" y="3751143"/>
-            <a:ext cx="1593669" cy="509451"/>
-          </a:xfrm>
-          <a:prstGeom prst="rect">
-            <a:avLst/>
-          </a:prstGeom>
-        </p:spPr>
-        <p:style>
-          <a:lnRef idx="2">
-            <a:schemeClr val="accent1">
-              <a:shade val="50000"/>
-            </a:schemeClr>
-          </a:lnRef>
-          <a:fillRef idx="1">
-            <a:schemeClr val="accent1"/>
-          </a:fillRef>
-          <a:effectRef idx="0">
-            <a:schemeClr val="accent1"/>
-          </a:effectRef>
-          <a:fontRef idx="minor">
-            <a:schemeClr val="lt1"/>
-          </a:fontRef>
-        </p:style>
-        <p:txBody>
-          <a:bodyPr rtlCol="1" anchor="ctr"/>
-          <a:lstStyle/>
-          <a:p>
-            <a:pPr algn="ctr" rtl="0"/>
-            <a:r>
-              <a:rPr lang="en-US" sz="1801" dirty="0" err="1"/>
-              <a:t>navBar</a:t>
-            </a:r>
-            <a:endParaRPr lang="he-IL" sz="1801" dirty="0"/>
+            <a:endParaRPr lang="he-IL" sz="1801" dirty="0">
+              <a:solidFill>
+                <a:schemeClr val="tx1"/>
+              </a:solidFill>
+            </a:endParaRPr>
           </a:p>
         </p:txBody>
       </p:sp>
@@ -3651,6 +3615,11 @@
           <a:prstGeom prst="line">
             <a:avLst/>
           </a:prstGeom>
+          <a:ln w="19050">
+            <a:solidFill>
+              <a:schemeClr val="tx1"/>
+            </a:solidFill>
+          </a:ln>
         </p:spPr>
         <p:style>
           <a:lnRef idx="1">
@@ -3691,6 +3660,11 @@
           <a:prstGeom prst="line">
             <a:avLst/>
           </a:prstGeom>
+          <a:ln w="19050">
+            <a:solidFill>
+              <a:schemeClr val="tx1"/>
+            </a:solidFill>
+          </a:ln>
         </p:spPr>
         <p:style>
           <a:lnRef idx="1">
@@ -3731,6 +3705,11 @@
           <a:prstGeom prst="line">
             <a:avLst/>
           </a:prstGeom>
+          <a:ln w="19050">
+            <a:solidFill>
+              <a:schemeClr val="tx1"/>
+            </a:solidFill>
+          </a:ln>
         </p:spPr>
         <p:style>
           <a:lnRef idx="1">
@@ -3771,6 +3750,11 @@
           <a:prstGeom prst="line">
             <a:avLst/>
           </a:prstGeom>
+          <a:ln w="19050">
+            <a:solidFill>
+              <a:schemeClr val="tx1"/>
+            </a:solidFill>
+          </a:ln>
         </p:spPr>
         <p:style>
           <a:lnRef idx="1">
@@ -3810,6 +3794,11 @@
           <a:prstGeom prst="line">
             <a:avLst/>
           </a:prstGeom>
+          <a:ln w="19050">
+            <a:solidFill>
+              <a:schemeClr val="tx1"/>
+            </a:solidFill>
+          </a:ln>
         </p:spPr>
         <p:style>
           <a:lnRef idx="1">
@@ -3848,6 +3837,11 @@
           <a:prstGeom prst="line">
             <a:avLst/>
           </a:prstGeom>
+          <a:ln w="19050">
+            <a:solidFill>
+              <a:schemeClr val="tx1"/>
+            </a:solidFill>
+          </a:ln>
         </p:spPr>
         <p:style>
           <a:lnRef idx="1">
@@ -3866,10 +3860,10 @@
       </p:cxnSp>
       <p:sp>
         <p:nvSpPr>
-          <p:cNvPr id="28" name="מלבן 27">
-            <a:extLst>
-              <a:ext uri="{FF2B5EF4-FFF2-40B4-BE49-F238E27FC236}">
-                <a16:creationId xmlns:a16="http://schemas.microsoft.com/office/drawing/2014/main" id="{972D8AFF-1CBB-4361-9588-53FA6AE3BAB4}"/>
+          <p:cNvPr id="32" name="מלבן 31">
+            <a:extLst>
+              <a:ext uri="{FF2B5EF4-FFF2-40B4-BE49-F238E27FC236}">
+                <a16:creationId xmlns:a16="http://schemas.microsoft.com/office/drawing/2014/main" id="{2CE65F15-E6F0-4FDA-BBF4-9414AED8AEBE}"/>
               </a:ext>
             </a:extLst>
           </p:cNvPr>
@@ -3878,12 +3872,20 @@
         </p:nvSpPr>
         <p:spPr>
           <a:xfrm>
-            <a:off x="926224" y="5149879"/>
-            <a:ext cx="1492460" cy="352601"/>
+            <a:off x="3063018" y="4484995"/>
+            <a:ext cx="1216663" cy="338748"/>
           </a:xfrm>
           <a:prstGeom prst="rect">
             <a:avLst/>
           </a:prstGeom>
+          <a:solidFill>
+            <a:schemeClr val="bg1"/>
+          </a:solidFill>
+          <a:ln w="19050">
+            <a:solidFill>
+              <a:schemeClr val="tx1"/>
+            </a:solidFill>
+          </a:ln>
         </p:spPr>
         <p:style>
           <a:lnRef idx="2">
@@ -3907,160 +3909,18 @@
           <a:p>
             <a:pPr algn="ctr" rtl="0"/>
             <a:r>
-              <a:rPr lang="en-US" sz="1200" dirty="0" err="1"/>
-              <a:t>UpdateUser</a:t>
-            </a:r>
-            <a:endParaRPr lang="en-US" sz="1200" dirty="0"/>
-          </a:p>
-        </p:txBody>
-      </p:sp>
-      <p:sp>
-        <p:nvSpPr>
-          <p:cNvPr id="32" name="מלבן 31">
-            <a:extLst>
-              <a:ext uri="{FF2B5EF4-FFF2-40B4-BE49-F238E27FC236}">
-                <a16:creationId xmlns:a16="http://schemas.microsoft.com/office/drawing/2014/main" id="{2CE65F15-E6F0-4FDA-BBF4-9414AED8AEBE}"/>
-              </a:ext>
-            </a:extLst>
-          </p:cNvPr>
-          <p:cNvSpPr/>
-          <p:nvPr/>
-        </p:nvSpPr>
-        <p:spPr>
-          <a:xfrm>
-            <a:off x="3063018" y="4484995"/>
-            <a:ext cx="1216663" cy="338748"/>
-          </a:xfrm>
-          <a:prstGeom prst="rect">
-            <a:avLst/>
-          </a:prstGeom>
-        </p:spPr>
-        <p:style>
-          <a:lnRef idx="2">
-            <a:schemeClr val="accent1">
-              <a:shade val="50000"/>
-            </a:schemeClr>
-          </a:lnRef>
-          <a:fillRef idx="1">
-            <a:schemeClr val="accent1"/>
-          </a:fillRef>
-          <a:effectRef idx="0">
-            <a:schemeClr val="accent1"/>
-          </a:effectRef>
-          <a:fontRef idx="minor">
-            <a:schemeClr val="lt1"/>
-          </a:fontRef>
-        </p:style>
-        <p:txBody>
-          <a:bodyPr rtlCol="1" anchor="ctr"/>
-          <a:lstStyle/>
-          <a:p>
-            <a:pPr algn="ctr" rtl="0"/>
-            <a:r>
-              <a:rPr lang="en-US" sz="1801" dirty="0" err="1"/>
+              <a:rPr lang="en-US" sz="1801" dirty="0" err="1">
+                <a:solidFill>
+                  <a:schemeClr val="tx1"/>
+                </a:solidFill>
+              </a:rPr>
               <a:t>HomePage</a:t>
             </a:r>
-            <a:endParaRPr lang="he-IL" sz="1801" dirty="0"/>
-          </a:p>
-        </p:txBody>
-      </p:sp>
-      <p:sp>
-        <p:nvSpPr>
-          <p:cNvPr id="35" name="מלבן 34">
-            <a:extLst>
-              <a:ext uri="{FF2B5EF4-FFF2-40B4-BE49-F238E27FC236}">
-                <a16:creationId xmlns:a16="http://schemas.microsoft.com/office/drawing/2014/main" id="{247D524A-6765-4DB3-98E2-4EAE773FC37F}"/>
-              </a:ext>
-            </a:extLst>
-          </p:cNvPr>
-          <p:cNvSpPr/>
-          <p:nvPr/>
-        </p:nvSpPr>
-        <p:spPr>
-          <a:xfrm>
-            <a:off x="7408664" y="5179690"/>
-            <a:ext cx="1216663" cy="388795"/>
-          </a:xfrm>
-          <a:prstGeom prst="rect">
-            <a:avLst/>
-          </a:prstGeom>
-        </p:spPr>
-        <p:style>
-          <a:lnRef idx="2">
-            <a:schemeClr val="accent1">
-              <a:shade val="50000"/>
-            </a:schemeClr>
-          </a:lnRef>
-          <a:fillRef idx="1">
-            <a:schemeClr val="accent1"/>
-          </a:fillRef>
-          <a:effectRef idx="0">
-            <a:schemeClr val="accent1"/>
-          </a:effectRef>
-          <a:fontRef idx="minor">
-            <a:schemeClr val="lt1"/>
-          </a:fontRef>
-        </p:style>
-        <p:txBody>
-          <a:bodyPr rtlCol="1" anchor="ctr"/>
-          <a:lstStyle/>
-          <a:p>
-            <a:pPr algn="ctr" rtl="0"/>
-            <a:r>
-              <a:rPr lang="en-US" sz="1801" dirty="0"/>
-              <a:t>Error</a:t>
-            </a:r>
-            <a:endParaRPr lang="he-IL" sz="1801" dirty="0"/>
-          </a:p>
-        </p:txBody>
-      </p:sp>
-      <p:sp>
-        <p:nvSpPr>
-          <p:cNvPr id="36" name="מלבן 35">
-            <a:extLst>
-              <a:ext uri="{FF2B5EF4-FFF2-40B4-BE49-F238E27FC236}">
-                <a16:creationId xmlns:a16="http://schemas.microsoft.com/office/drawing/2014/main" id="{DA3023F7-D76A-4ECD-84EA-643B6C00A455}"/>
-              </a:ext>
-            </a:extLst>
-          </p:cNvPr>
-          <p:cNvSpPr/>
-          <p:nvPr/>
-        </p:nvSpPr>
-        <p:spPr>
-          <a:xfrm>
-            <a:off x="5882350" y="5720043"/>
-            <a:ext cx="1216663" cy="403723"/>
-          </a:xfrm>
-          <a:prstGeom prst="rect">
-            <a:avLst/>
-          </a:prstGeom>
-        </p:spPr>
-        <p:style>
-          <a:lnRef idx="2">
-            <a:schemeClr val="accent1">
-              <a:shade val="50000"/>
-            </a:schemeClr>
-          </a:lnRef>
-          <a:fillRef idx="1">
-            <a:schemeClr val="accent1"/>
-          </a:fillRef>
-          <a:effectRef idx="0">
-            <a:schemeClr val="accent1"/>
-          </a:effectRef>
-          <a:fontRef idx="minor">
-            <a:schemeClr val="lt1"/>
-          </a:fontRef>
-        </p:style>
-        <p:txBody>
-          <a:bodyPr rtlCol="1" anchor="ctr"/>
-          <a:lstStyle/>
-          <a:p>
-            <a:pPr algn="ctr" rtl="0"/>
-            <a:r>
-              <a:rPr lang="en-US" sz="1600" dirty="0" err="1"/>
-              <a:t>ShowRecipe</a:t>
-            </a:r>
-            <a:endParaRPr lang="he-IL" dirty="0"/>
+            <a:endParaRPr lang="he-IL" sz="1801" dirty="0">
+              <a:solidFill>
+                <a:schemeClr val="tx1"/>
+              </a:solidFill>
+            </a:endParaRPr>
           </a:p>
         </p:txBody>
       </p:sp>
@@ -4075,17 +3935,24 @@
           </p:cNvPr>
           <p:cNvCxnSpPr>
             <a:cxnSpLocks/>
+            <a:stCxn id="28" idx="2"/>
+            <a:endCxn id="10" idx="0"/>
           </p:cNvCxnSpPr>
           <p:nvPr/>
         </p:nvCxnSpPr>
         <p:spPr>
           <a:xfrm flipV="1">
-            <a:off x="1676400" y="4031248"/>
-            <a:ext cx="71220" cy="1279180"/>
+            <a:off x="1691960" y="3811511"/>
+            <a:ext cx="32856" cy="1743107"/>
           </a:xfrm>
           <a:prstGeom prst="line">
             <a:avLst/>
           </a:prstGeom>
+          <a:ln w="19050">
+            <a:solidFill>
+              <a:schemeClr val="tx1"/>
+            </a:solidFill>
+          </a:ln>
         </p:spPr>
         <p:style>
           <a:lnRef idx="1">
@@ -4126,6 +3993,11 @@
           <a:prstGeom prst="line">
             <a:avLst/>
           </a:prstGeom>
+          <a:ln w="19050">
+            <a:solidFill>
+              <a:schemeClr val="tx1"/>
+            </a:solidFill>
+          </a:ln>
         </p:spPr>
         <p:style>
           <a:lnRef idx="1">
@@ -4164,6 +4036,11 @@
           <a:prstGeom prst="line">
             <a:avLst/>
           </a:prstGeom>
+          <a:ln w="19050">
+            <a:solidFill>
+              <a:schemeClr val="tx1"/>
+            </a:solidFill>
+          </a:ln>
         </p:spPr>
         <p:style>
           <a:lnRef idx="1">
@@ -4202,6 +4079,11 @@
           <a:prstGeom prst="line">
             <a:avLst/>
           </a:prstGeom>
+          <a:ln w="19050">
+            <a:solidFill>
+              <a:schemeClr val="tx1"/>
+            </a:solidFill>
+          </a:ln>
         </p:spPr>
         <p:style>
           <a:lnRef idx="1">
@@ -4240,6 +4122,11 @@
           <a:prstGeom prst="line">
             <a:avLst/>
           </a:prstGeom>
+          <a:ln w="19050">
+            <a:solidFill>
+              <a:schemeClr val="tx1"/>
+            </a:solidFill>
+          </a:ln>
         </p:spPr>
         <p:style>
           <a:lnRef idx="1">
@@ -4276,6 +4163,14 @@
           <a:prstGeom prst="rect">
             <a:avLst/>
           </a:prstGeom>
+          <a:solidFill>
+            <a:schemeClr val="bg1"/>
+          </a:solidFill>
+          <a:ln w="19050">
+            <a:solidFill>
+              <a:schemeClr val="tx1"/>
+            </a:solidFill>
+          </a:ln>
         </p:spPr>
         <p:style>
           <a:lnRef idx="2">
@@ -4299,10 +4194,18 @@
           <a:p>
             <a:pPr algn="ctr" rtl="0"/>
             <a:r>
-              <a:rPr lang="en-US" sz="1801" dirty="0"/>
+              <a:rPr lang="en-US" sz="1801" dirty="0">
+                <a:solidFill>
+                  <a:schemeClr val="tx1"/>
+                </a:solidFill>
+              </a:rPr>
               <a:t>Outlet</a:t>
             </a:r>
-            <a:endParaRPr lang="he-IL" sz="1801" dirty="0"/>
+            <a:endParaRPr lang="he-IL" sz="1801" dirty="0">
+              <a:solidFill>
+                <a:schemeClr val="tx1"/>
+              </a:solidFill>
+            </a:endParaRPr>
           </a:p>
         </p:txBody>
       </p:sp>
@@ -4326,6 +4229,14 @@
           <a:prstGeom prst="rect">
             <a:avLst/>
           </a:prstGeom>
+          <a:solidFill>
+            <a:schemeClr val="bg1"/>
+          </a:solidFill>
+          <a:ln w="19050">
+            <a:solidFill>
+              <a:schemeClr val="tx1"/>
+            </a:solidFill>
+          </a:ln>
         </p:spPr>
         <p:style>
           <a:lnRef idx="2">
@@ -4349,10 +4260,18 @@
           <a:p>
             <a:pPr algn="ctr" rtl="0"/>
             <a:r>
-              <a:rPr lang="en-US" sz="1801" dirty="0"/>
+              <a:rPr lang="en-US" sz="1801" dirty="0">
+                <a:solidFill>
+                  <a:schemeClr val="tx1"/>
+                </a:solidFill>
+              </a:rPr>
               <a:t>About</a:t>
             </a:r>
-            <a:endParaRPr lang="he-IL" sz="1801" dirty="0"/>
+            <a:endParaRPr lang="he-IL" sz="1801" dirty="0">
+              <a:solidFill>
+                <a:schemeClr val="tx1"/>
+              </a:solidFill>
+            </a:endParaRPr>
           </a:p>
         </p:txBody>
       </p:sp>
@@ -4376,6 +4295,14 @@
           <a:prstGeom prst="rect">
             <a:avLst/>
           </a:prstGeom>
+          <a:solidFill>
+            <a:schemeClr val="bg1"/>
+          </a:solidFill>
+          <a:ln w="19050">
+            <a:solidFill>
+              <a:schemeClr val="tx1"/>
+            </a:solidFill>
+          </a:ln>
         </p:spPr>
         <p:style>
           <a:lnRef idx="2">
@@ -4399,10 +4326,18 @@
           <a:p>
             <a:pPr algn="ctr" rtl="0"/>
             <a:r>
-              <a:rPr lang="en-US" sz="1801" dirty="0" err="1"/>
+              <a:rPr lang="en-US" sz="1801" dirty="0" err="1">
+                <a:solidFill>
+                  <a:schemeClr val="tx1"/>
+                </a:solidFill>
+              </a:rPr>
               <a:t>RecipesList</a:t>
             </a:r>
-            <a:endParaRPr lang="he-IL" sz="1801" dirty="0"/>
+            <a:endParaRPr lang="he-IL" sz="1801" dirty="0">
+              <a:solidFill>
+                <a:schemeClr val="tx1"/>
+              </a:solidFill>
+            </a:endParaRPr>
           </a:p>
         </p:txBody>
       </p:sp>
@@ -4426,6 +4361,14 @@
           <a:prstGeom prst="rect">
             <a:avLst/>
           </a:prstGeom>
+          <a:solidFill>
+            <a:schemeClr val="bg1"/>
+          </a:solidFill>
+          <a:ln w="19050">
+            <a:solidFill>
+              <a:schemeClr val="tx1"/>
+            </a:solidFill>
+          </a:ln>
         </p:spPr>
         <p:style>
           <a:lnRef idx="2">
@@ -4449,10 +4392,18 @@
           <a:p>
             <a:pPr algn="ctr" rtl="0"/>
             <a:r>
-              <a:rPr lang="en-US" sz="1400" dirty="0" err="1"/>
+              <a:rPr lang="en-US" sz="1400" dirty="0" err="1">
+                <a:solidFill>
+                  <a:schemeClr val="tx1"/>
+                </a:solidFill>
+              </a:rPr>
               <a:t>LoggedIn</a:t>
             </a:r>
-            <a:endParaRPr lang="en-US" sz="1400" dirty="0"/>
+            <a:endParaRPr lang="en-US" sz="1400" dirty="0">
+              <a:solidFill>
+                <a:schemeClr val="tx1"/>
+              </a:solidFill>
+            </a:endParaRPr>
           </a:p>
         </p:txBody>
       </p:sp>
@@ -4476,6 +4427,14 @@
           <a:prstGeom prst="rect">
             <a:avLst/>
           </a:prstGeom>
+          <a:solidFill>
+            <a:schemeClr val="bg1"/>
+          </a:solidFill>
+          <a:ln w="19050">
+            <a:solidFill>
+              <a:schemeClr val="tx1"/>
+            </a:solidFill>
+          </a:ln>
         </p:spPr>
         <p:style>
           <a:lnRef idx="2">
@@ -4499,10 +4458,18 @@
           <a:p>
             <a:pPr algn="ctr" rtl="0"/>
             <a:r>
-              <a:rPr lang="en-US" sz="1801" dirty="0"/>
+              <a:rPr lang="en-US" sz="1801" dirty="0">
+                <a:solidFill>
+                  <a:schemeClr val="tx1"/>
+                </a:solidFill>
+              </a:rPr>
               <a:t>Login</a:t>
             </a:r>
-            <a:endParaRPr lang="he-IL" sz="1801" dirty="0"/>
+            <a:endParaRPr lang="he-IL" sz="1801" dirty="0">
+              <a:solidFill>
+                <a:schemeClr val="tx1"/>
+              </a:solidFill>
+            </a:endParaRPr>
           </a:p>
         </p:txBody>
       </p:sp>
@@ -4528,6 +4495,11 @@
           <a:prstGeom prst="line">
             <a:avLst/>
           </a:prstGeom>
+          <a:ln w="19050">
+            <a:solidFill>
+              <a:schemeClr val="tx1"/>
+            </a:solidFill>
+          </a:ln>
         </p:spPr>
         <p:style>
           <a:lnRef idx="1">
@@ -4566,6 +4538,11 @@
           <a:prstGeom prst="line">
             <a:avLst/>
           </a:prstGeom>
+          <a:ln w="19050">
+            <a:solidFill>
+              <a:schemeClr val="tx1"/>
+            </a:solidFill>
+          </a:ln>
         </p:spPr>
         <p:style>
           <a:lnRef idx="1">
@@ -4602,6 +4579,14 @@
           <a:prstGeom prst="rect">
             <a:avLst/>
           </a:prstGeom>
+          <a:solidFill>
+            <a:schemeClr val="bg1"/>
+          </a:solidFill>
+          <a:ln w="19050">
+            <a:solidFill>
+              <a:schemeClr val="tx1"/>
+            </a:solidFill>
+          </a:ln>
         </p:spPr>
         <p:style>
           <a:lnRef idx="2">
@@ -4625,10 +4610,18 @@
           <a:p>
             <a:pPr algn="ctr" rtl="0"/>
             <a:r>
-              <a:rPr lang="en-US" sz="1801" dirty="0" err="1"/>
+              <a:rPr lang="en-US" sz="1801" dirty="0" err="1">
+                <a:solidFill>
+                  <a:schemeClr val="tx1"/>
+                </a:solidFill>
+              </a:rPr>
               <a:t>AddRecipe</a:t>
             </a:r>
-            <a:endParaRPr lang="he-IL" sz="1801" dirty="0"/>
+            <a:endParaRPr lang="he-IL" sz="1801" dirty="0">
+              <a:solidFill>
+                <a:schemeClr val="tx1"/>
+              </a:solidFill>
+            </a:endParaRPr>
           </a:p>
         </p:txBody>
       </p:sp>
@@ -4646,12 +4639,20 @@
         </p:nvSpPr>
         <p:spPr>
           <a:xfrm>
-            <a:off x="8886668" y="3970901"/>
-            <a:ext cx="1228949" cy="348151"/>
+            <a:off x="8815450" y="3875461"/>
+            <a:ext cx="1300168" cy="443591"/>
           </a:xfrm>
           <a:prstGeom prst="rect">
             <a:avLst/>
           </a:prstGeom>
+          <a:solidFill>
+            <a:schemeClr val="bg1"/>
+          </a:solidFill>
+          <a:ln w="19050">
+            <a:solidFill>
+              <a:schemeClr val="tx1"/>
+            </a:solidFill>
+          </a:ln>
         </p:spPr>
         <p:style>
           <a:lnRef idx="2">
@@ -4675,10 +4676,348 @@
           <a:p>
             <a:pPr algn="ctr" rtl="0"/>
             <a:r>
-              <a:rPr lang="en-US" sz="1801" dirty="0"/>
+              <a:rPr lang="en-US" sz="2000" dirty="0">
+                <a:solidFill>
+                  <a:schemeClr val="tx1"/>
+                </a:solidFill>
+              </a:rPr>
               <a:t>Outlet</a:t>
             </a:r>
-            <a:endParaRPr lang="he-IL" sz="1801" dirty="0"/>
+            <a:endParaRPr lang="he-IL" sz="2000" dirty="0">
+              <a:solidFill>
+                <a:schemeClr val="tx1"/>
+              </a:solidFill>
+            </a:endParaRPr>
+          </a:p>
+        </p:txBody>
+      </p:sp>
+      <p:sp>
+        <p:nvSpPr>
+          <p:cNvPr id="8" name="מלבן 7">
+            <a:extLst>
+              <a:ext uri="{FF2B5EF4-FFF2-40B4-BE49-F238E27FC236}">
+                <a16:creationId xmlns:a16="http://schemas.microsoft.com/office/drawing/2014/main" id="{6BB35B14-8F49-4864-83E4-2FB370242F35}"/>
+              </a:ext>
+            </a:extLst>
+          </p:cNvPr>
+          <p:cNvSpPr/>
+          <p:nvPr/>
+        </p:nvSpPr>
+        <p:spPr>
+          <a:xfrm>
+            <a:off x="5313609" y="3048160"/>
+            <a:ext cx="1593669" cy="509451"/>
+          </a:xfrm>
+          <a:prstGeom prst="rect">
+            <a:avLst/>
+          </a:prstGeom>
+          <a:solidFill>
+            <a:schemeClr val="bg1"/>
+          </a:solidFill>
+          <a:ln w="19050">
+            <a:solidFill>
+              <a:schemeClr val="tx1"/>
+            </a:solidFill>
+          </a:ln>
+        </p:spPr>
+        <p:style>
+          <a:lnRef idx="2">
+            <a:schemeClr val="accent1">
+              <a:shade val="50000"/>
+            </a:schemeClr>
+          </a:lnRef>
+          <a:fillRef idx="1">
+            <a:schemeClr val="accent1"/>
+          </a:fillRef>
+          <a:effectRef idx="0">
+            <a:schemeClr val="accent1"/>
+          </a:effectRef>
+          <a:fontRef idx="minor">
+            <a:schemeClr val="lt1"/>
+          </a:fontRef>
+        </p:style>
+        <p:txBody>
+          <a:bodyPr rtlCol="1" anchor="ctr"/>
+          <a:lstStyle/>
+          <a:p>
+            <a:pPr algn="ctr"/>
+            <a:r>
+              <a:rPr lang="en-US" sz="1801" dirty="0" err="1">
+                <a:solidFill>
+                  <a:schemeClr val="tx1"/>
+                </a:solidFill>
+              </a:rPr>
+              <a:t>AppLayuot</a:t>
+            </a:r>
+            <a:endParaRPr lang="he-IL" sz="1801" dirty="0">
+              <a:solidFill>
+                <a:schemeClr val="tx1"/>
+              </a:solidFill>
+            </a:endParaRPr>
+          </a:p>
+        </p:txBody>
+      </p:sp>
+      <p:sp>
+        <p:nvSpPr>
+          <p:cNvPr id="9" name="מלבן 8">
+            <a:extLst>
+              <a:ext uri="{FF2B5EF4-FFF2-40B4-BE49-F238E27FC236}">
+                <a16:creationId xmlns:a16="http://schemas.microsoft.com/office/drawing/2014/main" id="{6A2E2622-E9EB-4501-9AAC-E63CE4EE22CE}"/>
+              </a:ext>
+            </a:extLst>
+          </p:cNvPr>
+          <p:cNvSpPr/>
+          <p:nvPr/>
+        </p:nvSpPr>
+        <p:spPr>
+          <a:xfrm>
+            <a:off x="5313609" y="3751143"/>
+            <a:ext cx="1593669" cy="509451"/>
+          </a:xfrm>
+          <a:prstGeom prst="rect">
+            <a:avLst/>
+          </a:prstGeom>
+          <a:solidFill>
+            <a:schemeClr val="bg1"/>
+          </a:solidFill>
+          <a:ln w="19050">
+            <a:solidFill>
+              <a:schemeClr val="tx1"/>
+            </a:solidFill>
+          </a:ln>
+        </p:spPr>
+        <p:style>
+          <a:lnRef idx="2">
+            <a:schemeClr val="accent1">
+              <a:shade val="50000"/>
+            </a:schemeClr>
+          </a:lnRef>
+          <a:fillRef idx="1">
+            <a:schemeClr val="accent1"/>
+          </a:fillRef>
+          <a:effectRef idx="0">
+            <a:schemeClr val="accent1"/>
+          </a:effectRef>
+          <a:fontRef idx="minor">
+            <a:schemeClr val="lt1"/>
+          </a:fontRef>
+        </p:style>
+        <p:txBody>
+          <a:bodyPr rtlCol="1" anchor="ctr"/>
+          <a:lstStyle/>
+          <a:p>
+            <a:pPr algn="ctr" rtl="0"/>
+            <a:r>
+              <a:rPr lang="en-US" sz="1801" dirty="0" err="1">
+                <a:solidFill>
+                  <a:schemeClr val="tx1"/>
+                </a:solidFill>
+              </a:rPr>
+              <a:t>NavBar</a:t>
+            </a:r>
+            <a:endParaRPr lang="he-IL" sz="1801" dirty="0">
+              <a:solidFill>
+                <a:schemeClr val="tx1"/>
+              </a:solidFill>
+            </a:endParaRPr>
+          </a:p>
+        </p:txBody>
+      </p:sp>
+      <p:sp>
+        <p:nvSpPr>
+          <p:cNvPr id="28" name="מלבן 27">
+            <a:extLst>
+              <a:ext uri="{FF2B5EF4-FFF2-40B4-BE49-F238E27FC236}">
+                <a16:creationId xmlns:a16="http://schemas.microsoft.com/office/drawing/2014/main" id="{972D8AFF-1CBB-4361-9588-53FA6AE3BAB4}"/>
+              </a:ext>
+            </a:extLst>
+          </p:cNvPr>
+          <p:cNvSpPr/>
+          <p:nvPr/>
+        </p:nvSpPr>
+        <p:spPr>
+          <a:xfrm>
+            <a:off x="945730" y="5202017"/>
+            <a:ext cx="1492460" cy="352601"/>
+          </a:xfrm>
+          <a:prstGeom prst="rect">
+            <a:avLst/>
+          </a:prstGeom>
+          <a:solidFill>
+            <a:schemeClr val="bg1"/>
+          </a:solidFill>
+          <a:ln w="19050">
+            <a:solidFill>
+              <a:schemeClr val="tx1"/>
+            </a:solidFill>
+          </a:ln>
+        </p:spPr>
+        <p:style>
+          <a:lnRef idx="2">
+            <a:schemeClr val="accent1">
+              <a:shade val="50000"/>
+            </a:schemeClr>
+          </a:lnRef>
+          <a:fillRef idx="1">
+            <a:schemeClr val="accent1"/>
+          </a:fillRef>
+          <a:effectRef idx="0">
+            <a:schemeClr val="accent1"/>
+          </a:effectRef>
+          <a:fontRef idx="minor">
+            <a:schemeClr val="lt1"/>
+          </a:fontRef>
+        </p:style>
+        <p:txBody>
+          <a:bodyPr rtlCol="1" anchor="ctr"/>
+          <a:lstStyle/>
+          <a:p>
+            <a:pPr algn="ctr" rtl="0"/>
+            <a:r>
+              <a:rPr lang="en-US" sz="1200" dirty="0" err="1">
+                <a:solidFill>
+                  <a:schemeClr val="tx1"/>
+                </a:solidFill>
+              </a:rPr>
+              <a:t>UpdateUser</a:t>
+            </a:r>
+            <a:endParaRPr lang="en-US" sz="1200" dirty="0">
+              <a:solidFill>
+                <a:schemeClr val="tx1"/>
+              </a:solidFill>
+            </a:endParaRPr>
+          </a:p>
+        </p:txBody>
+      </p:sp>
+      <p:sp>
+        <p:nvSpPr>
+          <p:cNvPr id="35" name="מלבן 34">
+            <a:extLst>
+              <a:ext uri="{FF2B5EF4-FFF2-40B4-BE49-F238E27FC236}">
+                <a16:creationId xmlns:a16="http://schemas.microsoft.com/office/drawing/2014/main" id="{247D524A-6765-4DB3-98E2-4EAE773FC37F}"/>
+              </a:ext>
+            </a:extLst>
+          </p:cNvPr>
+          <p:cNvSpPr/>
+          <p:nvPr/>
+        </p:nvSpPr>
+        <p:spPr>
+          <a:xfrm>
+            <a:off x="7316468" y="5111979"/>
+            <a:ext cx="1216663" cy="388795"/>
+          </a:xfrm>
+          <a:prstGeom prst="rect">
+            <a:avLst/>
+          </a:prstGeom>
+          <a:solidFill>
+            <a:schemeClr val="bg1"/>
+          </a:solidFill>
+          <a:ln w="19050">
+            <a:solidFill>
+              <a:schemeClr val="tx1"/>
+            </a:solidFill>
+          </a:ln>
+        </p:spPr>
+        <p:style>
+          <a:lnRef idx="2">
+            <a:schemeClr val="accent1">
+              <a:shade val="50000"/>
+            </a:schemeClr>
+          </a:lnRef>
+          <a:fillRef idx="1">
+            <a:schemeClr val="accent1"/>
+          </a:fillRef>
+          <a:effectRef idx="0">
+            <a:schemeClr val="accent1"/>
+          </a:effectRef>
+          <a:fontRef idx="minor">
+            <a:schemeClr val="lt1"/>
+          </a:fontRef>
+        </p:style>
+        <p:txBody>
+          <a:bodyPr rtlCol="1" anchor="ctr"/>
+          <a:lstStyle/>
+          <a:p>
+            <a:pPr algn="ctr" rtl="0"/>
+            <a:r>
+              <a:rPr lang="en-US" sz="1801" dirty="0">
+                <a:solidFill>
+                  <a:schemeClr val="tx1"/>
+                </a:solidFill>
+              </a:rPr>
+              <a:t>Error</a:t>
+            </a:r>
+            <a:endParaRPr lang="he-IL" sz="1801" dirty="0">
+              <a:solidFill>
+                <a:schemeClr val="tx1"/>
+              </a:solidFill>
+            </a:endParaRPr>
+          </a:p>
+        </p:txBody>
+      </p:sp>
+      <p:sp>
+        <p:nvSpPr>
+          <p:cNvPr id="36" name="מלבן 35">
+            <a:extLst>
+              <a:ext uri="{FF2B5EF4-FFF2-40B4-BE49-F238E27FC236}">
+                <a16:creationId xmlns:a16="http://schemas.microsoft.com/office/drawing/2014/main" id="{DA3023F7-D76A-4ECD-84EA-643B6C00A455}"/>
+              </a:ext>
+            </a:extLst>
+          </p:cNvPr>
+          <p:cNvSpPr/>
+          <p:nvPr/>
+        </p:nvSpPr>
+        <p:spPr>
+          <a:xfrm>
+            <a:off x="5882350" y="5720043"/>
+            <a:ext cx="1216663" cy="403723"/>
+          </a:xfrm>
+          <a:prstGeom prst="rect">
+            <a:avLst/>
+          </a:prstGeom>
+          <a:solidFill>
+            <a:schemeClr val="bg1"/>
+          </a:solidFill>
+          <a:ln w="19050">
+            <a:solidFill>
+              <a:schemeClr val="tx1"/>
+            </a:solidFill>
+          </a:ln>
+        </p:spPr>
+        <p:style>
+          <a:lnRef idx="2">
+            <a:schemeClr val="accent1">
+              <a:shade val="50000"/>
+            </a:schemeClr>
+          </a:lnRef>
+          <a:fillRef idx="1">
+            <a:schemeClr val="accent1"/>
+          </a:fillRef>
+          <a:effectRef idx="0">
+            <a:schemeClr val="accent1"/>
+          </a:effectRef>
+          <a:fontRef idx="minor">
+            <a:schemeClr val="lt1"/>
+          </a:fontRef>
+        </p:style>
+        <p:txBody>
+          <a:bodyPr rtlCol="1" anchor="ctr"/>
+          <a:lstStyle/>
+          <a:p>
+            <a:pPr algn="ctr" rtl="0"/>
+            <a:r>
+              <a:rPr lang="en-US" sz="1600" dirty="0" err="1">
+                <a:solidFill>
+                  <a:schemeClr val="tx1"/>
+                </a:solidFill>
+              </a:rPr>
+              <a:t>ShowRecipe</a:t>
+            </a:r>
+            <a:endParaRPr lang="he-IL" dirty="0">
+              <a:solidFill>
+                <a:schemeClr val="tx1"/>
+              </a:solidFill>
+            </a:endParaRPr>
           </a:p>
         </p:txBody>
       </p:sp>
@@ -4727,20 +5066,20 @@
           <p:nvPr>
             <p:extLst>
               <p:ext uri="{D42A27DB-BD31-4B8C-83A1-F6EECF244321}">
-                <p14:modId xmlns:p14="http://schemas.microsoft.com/office/powerpoint/2010/main" val="4285992181"/>
+                <p14:modId xmlns:p14="http://schemas.microsoft.com/office/powerpoint/2010/main" val="791493538"/>
               </p:ext>
             </p:extLst>
           </p:nvPr>
         </p:nvGraphicFramePr>
         <p:xfrm>
           <a:off x="296334" y="347133"/>
-          <a:ext cx="11379198" cy="6045198"/>
+          <a:ext cx="11379198" cy="6322955"/>
         </p:xfrm>
         <a:graphic>
           <a:graphicData uri="http://schemas.openxmlformats.org/drawingml/2006/table">
             <a:tbl>
               <a:tblPr rtl="1" firstRow="1" bandRow="1">
-                <a:tableStyleId>{5C22544A-7EE6-4342-B048-85BDC9FD1C3A}</a:tableStyleId>
+                <a:tableStyleId>{0505E3EF-67EA-436B-97B2-0124C06EBD24}</a:tableStyleId>
               </a:tblPr>
               <a:tblGrid>
                 <a:gridCol w="2078584">
@@ -4794,19 +5133,28 @@
                     <a:p>
                       <a:pPr algn="ctr" rtl="0" fontAlgn="b"/>
                       <a:r>
-                        <a:rPr lang="he-IL" sz="1400" dirty="0">
-                          <a:effectLst/>
+                        <a:rPr lang="he-IL" sz="1100" b="1" kern="1200" dirty="0">
+                          <a:solidFill>
+                            <a:schemeClr val="dk1"/>
+                          </a:solidFill>
                         </a:rPr>
                         <a:t>שם </a:t>
                       </a:r>
                       <a:r>
-                        <a:rPr lang="he-IL" sz="1400" dirty="0" err="1">
-                          <a:effectLst/>
+                        <a:rPr lang="he-IL" sz="1100" b="1" kern="1200" dirty="0" err="1">
+                          <a:solidFill>
+                            <a:schemeClr val="dk1"/>
+                          </a:solidFill>
                         </a:rPr>
                         <a:t>הקומפוננטה</a:t>
                       </a:r>
-                      <a:endParaRPr lang="he-IL" sz="1400" dirty="0">
-                        <a:effectLst/>
+                      <a:endParaRPr lang="he-IL" sz="1100" b="1" kern="1200" dirty="0">
+                        <a:solidFill>
+                          <a:schemeClr val="dk1"/>
+                        </a:solidFill>
+                        <a:latin typeface="+mn-lt"/>
+                        <a:ea typeface="+mn-ea"/>
+                        <a:cs typeface="+mn-cs"/>
                       </a:endParaRPr>
                     </a:p>
                   </a:txBody>
@@ -4819,11 +5167,21 @@
                     <a:p>
                       <a:pPr algn="ctr" rtl="0" fontAlgn="b"/>
                       <a:r>
-                        <a:rPr lang="he-IL" sz="1400">
-                          <a:effectLst/>
+                        <a:rPr lang="he-IL" sz="1100" b="1" kern="1200">
+                          <a:solidFill>
+                            <a:schemeClr val="dk1"/>
+                          </a:solidFill>
                         </a:rPr>
                         <a:t>מטרה</a:t>
                       </a:r>
+                      <a:endParaRPr lang="he-IL" sz="1100" b="1" kern="1200">
+                        <a:solidFill>
+                          <a:schemeClr val="dk1"/>
+                        </a:solidFill>
+                        <a:latin typeface="+mn-lt"/>
+                        <a:ea typeface="+mn-ea"/>
+                        <a:cs typeface="+mn-cs"/>
+                      </a:endParaRPr>
                     </a:p>
                   </a:txBody>
                   <a:tcPr marL="19050" marR="19050" marT="12700" marB="12700" anchor="b"/>
@@ -4835,11 +5193,21 @@
                     <a:p>
                       <a:pPr algn="ctr" rtl="0" fontAlgn="b"/>
                       <a:r>
-                        <a:rPr lang="en-US" sz="1400">
-                          <a:effectLst/>
+                        <a:rPr lang="en-US" sz="1100" b="1" kern="1200">
+                          <a:solidFill>
+                            <a:schemeClr val="dk1"/>
+                          </a:solidFill>
                         </a:rPr>
                         <a:t>Props</a:t>
                       </a:r>
+                      <a:endParaRPr lang="en-US" sz="1100" b="1" kern="1200">
+                        <a:solidFill>
+                          <a:schemeClr val="dk1"/>
+                        </a:solidFill>
+                        <a:latin typeface="+mn-lt"/>
+                        <a:ea typeface="+mn-ea"/>
+                        <a:cs typeface="+mn-cs"/>
+                      </a:endParaRPr>
                     </a:p>
                   </a:txBody>
                   <a:tcPr marL="19050" marR="19050" marT="12700" marB="12700" anchor="b"/>
@@ -4851,11 +5219,21 @@
                     <a:p>
                       <a:pPr algn="ctr" rtl="0" fontAlgn="b"/>
                       <a:r>
-                        <a:rPr lang="en-US" sz="1400">
-                          <a:effectLst/>
+                        <a:rPr lang="en-US" sz="1100" b="1" kern="1200">
+                          <a:solidFill>
+                            <a:schemeClr val="dk1"/>
+                          </a:solidFill>
                         </a:rPr>
                         <a:t>Global-State</a:t>
                       </a:r>
+                      <a:endParaRPr lang="en-US" sz="1100" b="1" kern="1200">
+                        <a:solidFill>
+                          <a:schemeClr val="dk1"/>
+                        </a:solidFill>
+                        <a:latin typeface="+mn-lt"/>
+                        <a:ea typeface="+mn-ea"/>
+                        <a:cs typeface="+mn-cs"/>
+                      </a:endParaRPr>
                     </a:p>
                   </a:txBody>
                   <a:tcPr marL="19050" marR="19050" marT="12700" marB="12700" anchor="b"/>
@@ -4867,11 +5245,21 @@
                     <a:p>
                       <a:pPr algn="ctr" rtl="0" fontAlgn="b"/>
                       <a:r>
-                        <a:rPr lang="he-IL" sz="1400">
-                          <a:effectLst/>
+                        <a:rPr lang="he-IL" sz="1100" b="1" kern="1200">
+                          <a:solidFill>
+                            <a:schemeClr val="dk1"/>
+                          </a:solidFill>
                         </a:rPr>
                         <a:t>אבא</a:t>
                       </a:r>
+                      <a:endParaRPr lang="he-IL" sz="1100" b="1" kern="1200">
+                        <a:solidFill>
+                          <a:schemeClr val="dk1"/>
+                        </a:solidFill>
+                        <a:latin typeface="+mn-lt"/>
+                        <a:ea typeface="+mn-ea"/>
+                        <a:cs typeface="+mn-cs"/>
+                      </a:endParaRPr>
                     </a:p>
                   </a:txBody>
                   <a:tcPr marL="19050" marR="19050" marT="12700" marB="12700" anchor="b"/>
@@ -4883,11 +5271,21 @@
                     <a:p>
                       <a:pPr algn="ctr" rtl="0" fontAlgn="b"/>
                       <a:r>
-                        <a:rPr lang="he-IL" sz="1400" dirty="0">
-                          <a:effectLst/>
+                        <a:rPr lang="he-IL" sz="1100" b="1" kern="1200" dirty="0">
+                          <a:solidFill>
+                            <a:schemeClr val="dk1"/>
+                          </a:solidFill>
                         </a:rPr>
                         <a:t>ילדים</a:t>
                       </a:r>
+                      <a:endParaRPr lang="he-IL" sz="1100" b="1" kern="1200" dirty="0">
+                        <a:solidFill>
+                          <a:schemeClr val="dk1"/>
+                        </a:solidFill>
+                        <a:latin typeface="+mn-lt"/>
+                        <a:ea typeface="+mn-ea"/>
+                        <a:cs typeface="+mn-cs"/>
+                      </a:endParaRPr>
                     </a:p>
                   </a:txBody>
                   <a:tcPr marL="19050" marR="19050" marT="12700" marB="12700" anchor="b"/>
@@ -4904,99 +5302,164 @@
                     <a:bodyPr/>
                     <a:lstStyle/>
                     <a:p>
-                      <a:pPr algn="ctr" rtl="0" fontAlgn="b"/>
-                      <a:r>
-                        <a:rPr lang="en-US" sz="1400" dirty="0">
-                          <a:effectLst/>
+                      <a:pPr algn="ctr"/>
+                      <a:r>
+                        <a:rPr lang="en-US" sz="1100" b="1" kern="1200" dirty="0">
+                          <a:solidFill>
+                            <a:schemeClr val="dk1"/>
+                          </a:solidFill>
                         </a:rPr>
                         <a:t>App</a:t>
                       </a:r>
-                    </a:p>
-                  </a:txBody>
-                  <a:tcPr marL="19050" marR="19050" marT="12700" marB="12700" anchor="b"/>
-                </a:tc>
-                <a:tc>
-                  <a:txBody>
-                    <a:bodyPr/>
-                    <a:lstStyle/>
-                    <a:p>
-                      <a:pPr algn="ctr" rtl="0" fontAlgn="b"/>
-                      <a:r>
-                        <a:rPr lang="he-IL" sz="1400" dirty="0" err="1">
-                          <a:effectLst/>
+                      <a:endParaRPr lang="en-US" sz="1100" b="1" kern="1200" dirty="0">
+                        <a:solidFill>
+                          <a:schemeClr val="dk1"/>
+                        </a:solidFill>
+                        <a:latin typeface="+mn-lt"/>
+                        <a:ea typeface="+mn-ea"/>
+                        <a:cs typeface="+mn-cs"/>
+                      </a:endParaRPr>
+                    </a:p>
+                  </a:txBody>
+                  <a:tcPr anchor="ctr"/>
+                </a:tc>
+                <a:tc>
+                  <a:txBody>
+                    <a:bodyPr/>
+                    <a:lstStyle/>
+                    <a:p>
+                      <a:pPr algn="ctr"/>
+                      <a:r>
+                        <a:rPr lang="he-IL" sz="1100" b="1" kern="1200" dirty="0" err="1">
+                          <a:solidFill>
+                            <a:schemeClr val="dk1"/>
+                          </a:solidFill>
                         </a:rPr>
                         <a:t>קומפוננטה</a:t>
                       </a:r>
                       <a:r>
-                        <a:rPr lang="he-IL" sz="1400" dirty="0">
-                          <a:effectLst/>
-                        </a:rPr>
-                        <a:t> ראשית</a:t>
-                      </a:r>
-                    </a:p>
-                  </a:txBody>
-                  <a:tcPr marL="19050" marR="19050" marT="12700" marB="12700" anchor="b"/>
-                </a:tc>
-                <a:tc>
-                  <a:txBody>
-                    <a:bodyPr/>
-                    <a:lstStyle/>
-                    <a:p>
-                      <a:pPr algn="ctr" rtl="0" fontAlgn="b"/>
-                      <a:endParaRPr lang="he-IL" sz="1400" dirty="0">
-                        <a:effectLst/>
-                      </a:endParaRPr>
-                    </a:p>
-                  </a:txBody>
-                  <a:tcPr marL="19050" marR="19050" marT="12700" marB="12700" anchor="b"/>
-                </a:tc>
-                <a:tc>
-                  <a:txBody>
-                    <a:bodyPr/>
-                    <a:lstStyle/>
-                    <a:p>
-                      <a:pPr algn="ctr" rtl="0" fontAlgn="b"/>
-                      <a:r>
-                        <a:rPr lang="en-US" sz="1400" dirty="0">
-                          <a:effectLst/>
-                        </a:rPr>
-                        <a:t>, redux provider, context provider</a:t>
-                      </a:r>
-                    </a:p>
-                  </a:txBody>
-                  <a:tcPr marL="19050" marR="19050" marT="12700" marB="12700" anchor="b"/>
-                </a:tc>
-                <a:tc>
-                  <a:txBody>
-                    <a:bodyPr/>
-                    <a:lstStyle/>
-                    <a:p>
-                      <a:pPr algn="ctr" rtl="0" fontAlgn="b"/>
-                      <a:endParaRPr lang="he-IL" sz="1400" dirty="0">
-                        <a:effectLst/>
-                      </a:endParaRPr>
-                    </a:p>
-                  </a:txBody>
-                  <a:tcPr marL="19050" marR="19050" marT="12700" marB="12700" anchor="b"/>
-                </a:tc>
-                <a:tc>
-                  <a:txBody>
-                    <a:bodyPr/>
-                    <a:lstStyle/>
-                    <a:p>
-                      <a:pPr algn="ctr" rtl="0" fontAlgn="b"/>
-                      <a:r>
-                        <a:rPr lang="en-US" sz="1400" dirty="0" err="1">
-                          <a:effectLst/>
-                        </a:rPr>
-                        <a:t>RouterProvider</a:t>
-                      </a:r>
-                      <a:endParaRPr lang="en-US" sz="1400" dirty="0">
-                        <a:effectLst/>
-                      </a:endParaRPr>
-                    </a:p>
-                  </a:txBody>
-                  <a:tcPr marL="19050" marR="19050" marT="12700" marB="12700" anchor="b"/>
+                        <a:rPr lang="he-IL" sz="1100" b="1" kern="1200" dirty="0">
+                          <a:solidFill>
+                            <a:schemeClr val="dk1"/>
+                          </a:solidFill>
+                        </a:rPr>
+                        <a:t> ראשית, עוטפת את כל האפליקציה</a:t>
+                      </a:r>
+                      <a:endParaRPr lang="he-IL" sz="1100" b="1" kern="1200" dirty="0">
+                        <a:solidFill>
+                          <a:schemeClr val="dk1"/>
+                        </a:solidFill>
+                        <a:latin typeface="+mn-lt"/>
+                        <a:ea typeface="+mn-ea"/>
+                        <a:cs typeface="+mn-cs"/>
+                      </a:endParaRPr>
+                    </a:p>
+                  </a:txBody>
+                  <a:tcPr anchor="ctr"/>
+                </a:tc>
+                <a:tc>
+                  <a:txBody>
+                    <a:bodyPr/>
+                    <a:lstStyle/>
+                    <a:p>
+                      <a:pPr algn="ctr"/>
+                      <a:r>
+                        <a:rPr lang="he-IL" sz="1100" b="1" kern="1200" dirty="0">
+                          <a:solidFill>
+                            <a:schemeClr val="dk1"/>
+                          </a:solidFill>
+                        </a:rPr>
+                        <a:t>אין</a:t>
+                      </a:r>
+                      <a:endParaRPr lang="he-IL" sz="1100" b="1" kern="1200" dirty="0">
+                        <a:solidFill>
+                          <a:schemeClr val="dk1"/>
+                        </a:solidFill>
+                        <a:latin typeface="+mn-lt"/>
+                        <a:ea typeface="+mn-ea"/>
+                        <a:cs typeface="+mn-cs"/>
+                      </a:endParaRPr>
+                    </a:p>
+                  </a:txBody>
+                  <a:tcPr anchor="ctr"/>
+                </a:tc>
+                <a:tc>
+                  <a:txBody>
+                    <a:bodyPr/>
+                    <a:lstStyle/>
+                    <a:p>
+                      <a:pPr algn="ctr"/>
+                      <a:r>
+                        <a:rPr lang="en-US" sz="1100" b="1" kern="1200">
+                          <a:solidFill>
+                            <a:schemeClr val="dk1"/>
+                          </a:solidFill>
+                        </a:rPr>
+                        <a:t>UserContext, Redux Store</a:t>
+                      </a:r>
+                      <a:endParaRPr lang="en-US" sz="1100" b="1" kern="1200">
+                        <a:solidFill>
+                          <a:schemeClr val="dk1"/>
+                        </a:solidFill>
+                        <a:latin typeface="+mn-lt"/>
+                        <a:ea typeface="+mn-ea"/>
+                        <a:cs typeface="+mn-cs"/>
+                      </a:endParaRPr>
+                    </a:p>
+                  </a:txBody>
+                  <a:tcPr anchor="ctr"/>
+                </a:tc>
+                <a:tc>
+                  <a:txBody>
+                    <a:bodyPr/>
+                    <a:lstStyle/>
+                    <a:p>
+                      <a:pPr algn="ctr"/>
+                      <a:r>
+                        <a:rPr lang="he-IL" sz="1100" b="1" kern="1200">
+                          <a:solidFill>
+                            <a:schemeClr val="dk1"/>
+                          </a:solidFill>
+                        </a:rPr>
+                        <a:t>אין</a:t>
+                      </a:r>
+                      <a:endParaRPr lang="he-IL" sz="1100" b="1" kern="1200">
+                        <a:solidFill>
+                          <a:schemeClr val="dk1"/>
+                        </a:solidFill>
+                        <a:latin typeface="+mn-lt"/>
+                        <a:ea typeface="+mn-ea"/>
+                        <a:cs typeface="+mn-cs"/>
+                      </a:endParaRPr>
+                    </a:p>
+                  </a:txBody>
+                  <a:tcPr anchor="ctr"/>
+                </a:tc>
+                <a:tc>
+                  <a:txBody>
+                    <a:bodyPr/>
+                    <a:lstStyle/>
+                    <a:p>
+                      <a:pPr algn="ctr"/>
+                      <a:r>
+                        <a:rPr lang="en-US" sz="1100" b="1" kern="1200" dirty="0">
+                          <a:solidFill>
+                            <a:schemeClr val="dk1"/>
+                          </a:solidFill>
+                        </a:rPr>
+                        <a:t>Context Provider, Redux Provider, Router</a:t>
+                      </a:r>
+                      <a:endParaRPr lang="en-US" sz="1100" b="1" kern="1200" dirty="0">
+                        <a:solidFill>
+                          <a:schemeClr val="dk1"/>
+                        </a:solidFill>
+                        <a:latin typeface="+mn-lt"/>
+                        <a:ea typeface="+mn-ea"/>
+                        <a:cs typeface="+mn-cs"/>
+                      </a:endParaRPr>
+                    </a:p>
+                  </a:txBody>
+                  <a:tcPr anchor="ctr"/>
                 </a:tc>
                 <a:extLst>
                   <a:ext uri="{0D108BD9-81ED-4DB2-BD59-A6C34878D82A}">
@@ -5010,106 +5473,164 @@
                     <a:bodyPr/>
                     <a:lstStyle/>
                     <a:p>
-                      <a:pPr algn="ctr" rtl="0" fontAlgn="b"/>
-                      <a:r>
-                        <a:rPr lang="en-US" sz="1400" dirty="0" err="1">
-                          <a:effectLst/>
+                      <a:pPr algn="ctr"/>
+                      <a:r>
+                        <a:rPr lang="en-US" sz="1100" b="1" kern="1200" dirty="0" err="1">
+                          <a:solidFill>
+                            <a:schemeClr val="dk1"/>
+                          </a:solidFill>
                         </a:rPr>
                         <a:t>AppLayout</a:t>
                       </a:r>
-                      <a:endParaRPr lang="en-US" sz="1400" dirty="0">
-                        <a:effectLst/>
-                      </a:endParaRPr>
-                    </a:p>
-                  </a:txBody>
-                  <a:tcPr marL="19050" marR="19050" marT="12700" marB="12700" anchor="b"/>
-                </a:tc>
-                <a:tc>
-                  <a:txBody>
-                    <a:bodyPr/>
-                    <a:lstStyle/>
-                    <a:p>
-                      <a:pPr algn="ctr" rtl="0" fontAlgn="b"/>
-                      <a:r>
-                        <a:rPr lang="he-IL" sz="1400" dirty="0">
-                          <a:effectLst/>
-                        </a:rPr>
-                        <a:t>מספקת את המבנה הכללי של האפליקציה, כולל ניווט ותצוגת תוכן</a:t>
-                      </a:r>
-                    </a:p>
-                  </a:txBody>
-                  <a:tcPr marL="19050" marR="19050" marT="12700" marB="12700" anchor="b"/>
-                </a:tc>
-                <a:tc>
-                  <a:txBody>
-                    <a:bodyPr/>
-                    <a:lstStyle/>
-                    <a:p>
-                      <a:pPr algn="ctr" rtl="0" fontAlgn="b"/>
-                      <a:endParaRPr lang="he-IL" sz="1400" dirty="0">
-                        <a:effectLst/>
-                      </a:endParaRPr>
-                    </a:p>
-                  </a:txBody>
-                  <a:tcPr marL="19050" marR="19050" marT="12700" marB="12700" anchor="b"/>
-                </a:tc>
-                <a:tc>
-                  <a:txBody>
-                    <a:bodyPr/>
-                    <a:lstStyle/>
-                    <a:p>
-                      <a:pPr algn="ctr" rtl="0" fontAlgn="b"/>
-                      <a:endParaRPr lang="he-IL" sz="1400" dirty="0">
-                        <a:effectLst/>
-                      </a:endParaRPr>
-                    </a:p>
-                  </a:txBody>
-                  <a:tcPr marL="19050" marR="19050" marT="12700" marB="12700" anchor="b"/>
-                </a:tc>
-                <a:tc>
-                  <a:txBody>
-                    <a:bodyPr/>
-                    <a:lstStyle/>
-                    <a:p>
-                      <a:pPr algn="ctr" rtl="0" fontAlgn="b"/>
-                      <a:r>
-                        <a:rPr lang="en-US" sz="1400" dirty="0">
-                          <a:effectLst/>
-                        </a:rPr>
-                        <a:t> </a:t>
-                      </a:r>
-                      <a:r>
-                        <a:rPr lang="en-US" sz="1400" dirty="0"/>
+                      <a:endParaRPr lang="en-US" sz="1100" b="1" kern="1200" dirty="0">
+                        <a:solidFill>
+                          <a:schemeClr val="dk1"/>
+                        </a:solidFill>
+                        <a:latin typeface="+mn-lt"/>
+                        <a:ea typeface="+mn-ea"/>
+                        <a:cs typeface="+mn-cs"/>
+                      </a:endParaRPr>
+                    </a:p>
+                  </a:txBody>
+                  <a:tcPr anchor="ctr"/>
+                </a:tc>
+                <a:tc>
+                  <a:txBody>
+                    <a:bodyPr/>
+                    <a:lstStyle/>
+                    <a:p>
+                      <a:pPr algn="ctr"/>
+                      <a:r>
+                        <a:rPr lang="he-IL" sz="1100" b="1" kern="1200" dirty="0">
+                          <a:solidFill>
+                            <a:schemeClr val="dk1"/>
+                          </a:solidFill>
+                        </a:rPr>
+                        <a:t>עיצוב ומבנה כללי של הדפים</a:t>
+                      </a:r>
+                      <a:endParaRPr lang="he-IL" sz="1100" b="1" kern="1200" dirty="0">
+                        <a:solidFill>
+                          <a:schemeClr val="dk1"/>
+                        </a:solidFill>
+                        <a:latin typeface="+mn-lt"/>
+                        <a:ea typeface="+mn-ea"/>
+                        <a:cs typeface="+mn-cs"/>
+                      </a:endParaRPr>
+                    </a:p>
+                  </a:txBody>
+                  <a:tcPr anchor="ctr"/>
+                </a:tc>
+                <a:tc>
+                  <a:txBody>
+                    <a:bodyPr/>
+                    <a:lstStyle/>
+                    <a:p>
+                      <a:pPr algn="ctr"/>
+                      <a:r>
+                        <a:rPr lang="he-IL" sz="1100" b="1" kern="1200">
+                          <a:solidFill>
+                            <a:schemeClr val="dk1"/>
+                          </a:solidFill>
+                        </a:rPr>
+                        <a:t>אין</a:t>
+                      </a:r>
+                      <a:endParaRPr lang="he-IL" sz="1100" b="1" kern="1200">
+                        <a:solidFill>
+                          <a:schemeClr val="dk1"/>
+                        </a:solidFill>
+                        <a:latin typeface="+mn-lt"/>
+                        <a:ea typeface="+mn-ea"/>
+                        <a:cs typeface="+mn-cs"/>
+                      </a:endParaRPr>
+                    </a:p>
+                  </a:txBody>
+                  <a:tcPr anchor="ctr"/>
+                </a:tc>
+                <a:tc>
+                  <a:txBody>
+                    <a:bodyPr/>
+                    <a:lstStyle/>
+                    <a:p>
+                      <a:pPr algn="ctr"/>
+                      <a:r>
+                        <a:rPr lang="en-US" sz="1100" b="1" kern="1200">
+                          <a:solidFill>
+                            <a:schemeClr val="dk1"/>
+                          </a:solidFill>
+                        </a:rPr>
+                        <a:t>UserContext</a:t>
+                      </a:r>
+                      <a:endParaRPr lang="en-US" sz="1100" b="1" kern="1200">
+                        <a:solidFill>
+                          <a:schemeClr val="dk1"/>
+                        </a:solidFill>
+                        <a:latin typeface="+mn-lt"/>
+                        <a:ea typeface="+mn-ea"/>
+                        <a:cs typeface="+mn-cs"/>
+                      </a:endParaRPr>
+                    </a:p>
+                  </a:txBody>
+                  <a:tcPr anchor="ctr"/>
+                </a:tc>
+                <a:tc>
+                  <a:txBody>
+                    <a:bodyPr/>
+                    <a:lstStyle/>
+                    <a:p>
+                      <a:pPr algn="ctr"/>
+                      <a:r>
+                        <a:rPr lang="en-US" sz="1100" b="1" kern="1200" dirty="0">
+                          <a:solidFill>
+                            <a:schemeClr val="dk1"/>
+                          </a:solidFill>
+                        </a:rPr>
                         <a:t>Router</a:t>
                       </a:r>
-                      <a:endParaRPr lang="en-US" sz="1400" dirty="0">
-                        <a:effectLst/>
-                      </a:endParaRPr>
-                    </a:p>
-                  </a:txBody>
-                  <a:tcPr marL="19050" marR="19050" marT="12700" marB="12700" anchor="b"/>
-                </a:tc>
-                <a:tc>
-                  <a:txBody>
-                    <a:bodyPr/>
-                    <a:lstStyle/>
-                    <a:p>
-                      <a:pPr algn="ctr" rtl="0" fontAlgn="b"/>
-                      <a:r>
-                        <a:rPr lang="en-US" sz="1400" dirty="0" err="1">
-                          <a:effectLst/>
+                      <a:endParaRPr lang="en-US" sz="1100" b="1" kern="1200" dirty="0">
+                        <a:solidFill>
+                          <a:schemeClr val="dk1"/>
+                        </a:solidFill>
+                        <a:latin typeface="+mn-lt"/>
+                        <a:ea typeface="+mn-ea"/>
+                        <a:cs typeface="+mn-cs"/>
+                      </a:endParaRPr>
+                    </a:p>
+                  </a:txBody>
+                  <a:tcPr anchor="ctr"/>
+                </a:tc>
+                <a:tc>
+                  <a:txBody>
+                    <a:bodyPr/>
+                    <a:lstStyle/>
+                    <a:p>
+                      <a:pPr algn="ctr"/>
+                      <a:r>
+                        <a:rPr lang="en-US" sz="1100" b="1" kern="1200" dirty="0" err="1">
+                          <a:solidFill>
+                            <a:schemeClr val="dk1"/>
+                          </a:solidFill>
                         </a:rPr>
                         <a:t>NavBar</a:t>
                       </a:r>
                       <a:r>
-                        <a:rPr lang="en-US" sz="1400" dirty="0">
-                          <a:effectLst/>
-                        </a:rPr>
-                        <a:t>, Login</a:t>
-                      </a:r>
-                    </a:p>
-                  </a:txBody>
-                  <a:tcPr marL="19050" marR="19050" marT="12700" marB="12700" anchor="b"/>
+                        <a:rPr lang="en-US" sz="1100" b="1" kern="1200" dirty="0">
+                          <a:solidFill>
+                            <a:schemeClr val="dk1"/>
+                          </a:solidFill>
+                        </a:rPr>
+                        <a:t>, Outlet ,Login</a:t>
+                      </a:r>
+                      <a:endParaRPr lang="en-US" sz="1100" b="1" kern="1200" dirty="0">
+                        <a:solidFill>
+                          <a:schemeClr val="dk1"/>
+                        </a:solidFill>
+                        <a:latin typeface="+mn-lt"/>
+                        <a:ea typeface="+mn-ea"/>
+                        <a:cs typeface="+mn-cs"/>
+                      </a:endParaRPr>
+                    </a:p>
+                  </a:txBody>
+                  <a:tcPr anchor="ctr"/>
                 </a:tc>
                 <a:extLst>
                   <a:ext uri="{0D108BD9-81ED-4DB2-BD59-A6C34878D82A}">
@@ -5123,92 +5644,152 @@
                     <a:bodyPr/>
                     <a:lstStyle/>
                     <a:p>
+                      <a:pPr algn="ctr"/>
+                      <a:r>
+                        <a:rPr lang="en-US" sz="1100" b="1" kern="1200">
+                          <a:solidFill>
+                            <a:schemeClr val="dk1"/>
+                          </a:solidFill>
+                        </a:rPr>
+                        <a:t>NavBar</a:t>
+                      </a:r>
+                      <a:endParaRPr lang="en-US" sz="1100" b="1" kern="1200">
+                        <a:solidFill>
+                          <a:schemeClr val="dk1"/>
+                        </a:solidFill>
+                        <a:latin typeface="+mn-lt"/>
+                        <a:ea typeface="+mn-ea"/>
+                        <a:cs typeface="+mn-cs"/>
+                      </a:endParaRPr>
+                    </a:p>
+                  </a:txBody>
+                  <a:tcPr anchor="ctr"/>
+                </a:tc>
+                <a:tc>
+                  <a:txBody>
+                    <a:bodyPr/>
+                    <a:lstStyle/>
+                    <a:p>
+                      <a:pPr algn="ctr"/>
+                      <a:r>
+                        <a:rPr lang="he-IL" sz="1100" b="1" kern="1200" dirty="0">
+                          <a:solidFill>
+                            <a:schemeClr val="dk1"/>
+                          </a:solidFill>
+                        </a:rPr>
+                        <a:t>תפריט ניווט עליון</a:t>
+                      </a:r>
+                      <a:endParaRPr lang="he-IL" sz="1100" b="1" kern="1200" dirty="0">
+                        <a:solidFill>
+                          <a:schemeClr val="dk1"/>
+                        </a:solidFill>
+                        <a:latin typeface="+mn-lt"/>
+                        <a:ea typeface="+mn-ea"/>
+                        <a:cs typeface="+mn-cs"/>
+                      </a:endParaRPr>
+                    </a:p>
+                  </a:txBody>
+                  <a:tcPr anchor="ctr"/>
+                </a:tc>
+                <a:tc>
+                  <a:txBody>
+                    <a:bodyPr/>
+                    <a:lstStyle/>
+                    <a:p>
+                      <a:pPr algn="ctr"/>
+                      <a:r>
+                        <a:rPr lang="he-IL" sz="1100" b="1" kern="1200">
+                          <a:solidFill>
+                            <a:schemeClr val="dk1"/>
+                          </a:solidFill>
+                        </a:rPr>
+                        <a:t>אין</a:t>
+                      </a:r>
+                      <a:endParaRPr lang="he-IL" sz="1100" b="1" kern="1200">
+                        <a:solidFill>
+                          <a:schemeClr val="dk1"/>
+                        </a:solidFill>
+                        <a:latin typeface="+mn-lt"/>
+                        <a:ea typeface="+mn-ea"/>
+                        <a:cs typeface="+mn-cs"/>
+                      </a:endParaRPr>
+                    </a:p>
+                  </a:txBody>
+                  <a:tcPr anchor="ctr"/>
+                </a:tc>
+                <a:tc>
+                  <a:txBody>
+                    <a:bodyPr/>
+                    <a:lstStyle/>
+                    <a:p>
+                      <a:pPr algn="ctr"/>
+                      <a:r>
+                        <a:rPr lang="he-IL" sz="1100" b="1" kern="1200">
+                          <a:solidFill>
+                            <a:schemeClr val="dk1"/>
+                          </a:solidFill>
+                        </a:rPr>
+                        <a:t>אין</a:t>
+                      </a:r>
+                      <a:endParaRPr lang="he-IL" sz="1100" b="1" kern="1200">
+                        <a:solidFill>
+                          <a:schemeClr val="dk1"/>
+                        </a:solidFill>
+                        <a:latin typeface="+mn-lt"/>
+                        <a:ea typeface="+mn-ea"/>
+                        <a:cs typeface="+mn-cs"/>
+                      </a:endParaRPr>
+                    </a:p>
+                  </a:txBody>
+                  <a:tcPr anchor="ctr"/>
+                </a:tc>
+                <a:tc>
+                  <a:txBody>
+                    <a:bodyPr/>
+                    <a:lstStyle/>
+                    <a:p>
+                      <a:pPr algn="ctr"/>
+                      <a:r>
+                        <a:rPr lang="en-US" sz="1100" b="1" kern="1200" dirty="0" err="1">
+                          <a:solidFill>
+                            <a:schemeClr val="dk1"/>
+                          </a:solidFill>
+                        </a:rPr>
+                        <a:t>AppLayout</a:t>
+                      </a:r>
+                      <a:endParaRPr lang="en-US" sz="1100" b="1" kern="1200" dirty="0">
+                        <a:solidFill>
+                          <a:schemeClr val="dk1"/>
+                        </a:solidFill>
+                        <a:latin typeface="+mn-lt"/>
+                        <a:ea typeface="+mn-ea"/>
+                        <a:cs typeface="+mn-cs"/>
+                      </a:endParaRPr>
+                    </a:p>
+                  </a:txBody>
+                  <a:tcPr anchor="ctr"/>
+                </a:tc>
+                <a:tc>
+                  <a:txBody>
+                    <a:bodyPr/>
+                    <a:lstStyle/>
+                    <a:p>
                       <a:pPr algn="ctr" rtl="0" fontAlgn="b"/>
                       <a:r>
-                        <a:rPr lang="en-US" sz="1400" dirty="0" err="1">
-                          <a:effectLst/>
-                        </a:rPr>
-                        <a:t>NavBar</a:t>
-                      </a:r>
-                      <a:endParaRPr lang="en-US" sz="1400" dirty="0">
-                        <a:effectLst/>
-                      </a:endParaRPr>
-                    </a:p>
-                  </a:txBody>
-                  <a:tcPr marL="19050" marR="19050" marT="12700" marB="12700" anchor="b"/>
-                </a:tc>
-                <a:tc>
-                  <a:txBody>
-                    <a:bodyPr/>
-                    <a:lstStyle/>
-                    <a:p>
-                      <a:pPr algn="ctr" rtl="0" fontAlgn="b"/>
-                      <a:r>
-                        <a:rPr lang="he-IL" sz="1400" dirty="0">
-                          <a:effectLst/>
-                        </a:rPr>
-                        <a:t>מציגה את כפתורי הניווט של האפליקציה</a:t>
-                      </a:r>
-                    </a:p>
-                  </a:txBody>
-                  <a:tcPr marL="19050" marR="19050" marT="12700" marB="12700" anchor="b"/>
-                </a:tc>
-                <a:tc>
-                  <a:txBody>
-                    <a:bodyPr/>
-                    <a:lstStyle/>
-                    <a:p>
-                      <a:pPr algn="ctr" rtl="0" fontAlgn="b"/>
-                      <a:endParaRPr lang="he-IL" sz="1400">
-                        <a:effectLst/>
-                      </a:endParaRPr>
-                    </a:p>
-                  </a:txBody>
-                  <a:tcPr marL="19050" marR="19050" marT="12700" marB="12700" anchor="b"/>
-                </a:tc>
-                <a:tc>
-                  <a:txBody>
-                    <a:bodyPr/>
-                    <a:lstStyle/>
-                    <a:p>
-                      <a:pPr algn="ctr" rtl="0" fontAlgn="b"/>
-                      <a:endParaRPr lang="he-IL" sz="1400" dirty="0">
-                        <a:effectLst/>
-                      </a:endParaRPr>
-                    </a:p>
-                  </a:txBody>
-                  <a:tcPr marL="19050" marR="19050" marT="12700" marB="12700" anchor="b"/>
-                </a:tc>
-                <a:tc>
-                  <a:txBody>
-                    <a:bodyPr/>
-                    <a:lstStyle/>
-                    <a:p>
-                      <a:pPr algn="ctr" rtl="0" fontAlgn="b"/>
-                      <a:r>
-                        <a:rPr lang="en-US" sz="1400">
-                          <a:effectLst/>
-                        </a:rPr>
-                        <a:t>AppLayout</a:t>
-                      </a:r>
-                    </a:p>
-                  </a:txBody>
-                  <a:tcPr marL="19050" marR="19050" marT="12700" marB="12700" anchor="b"/>
-                </a:tc>
-                <a:tc>
-                  <a:txBody>
-                    <a:bodyPr/>
-                    <a:lstStyle/>
-                    <a:p>
-                      <a:pPr algn="ctr" rtl="0" fontAlgn="b"/>
-                      <a:r>
-                        <a:rPr lang="en-US" sz="1400" dirty="0">
-                          <a:effectLst/>
+                        <a:rPr lang="en-US" sz="1100" b="1" kern="1200" dirty="0">
+                          <a:solidFill>
+                            <a:schemeClr val="dk1"/>
+                          </a:solidFill>
                         </a:rPr>
                         <a:t>Links to  Home, About,  Recipes</a:t>
                       </a:r>
-                      <a:endParaRPr lang="he-IL" sz="1400" dirty="0">
-                        <a:effectLst/>
+                      <a:endParaRPr lang="he-IL" sz="1100" b="1" kern="1200" dirty="0">
+                        <a:solidFill>
+                          <a:schemeClr val="dk1"/>
+                        </a:solidFill>
+                        <a:latin typeface="+mn-lt"/>
+                        <a:ea typeface="+mn-ea"/>
+                        <a:cs typeface="+mn-cs"/>
                       </a:endParaRPr>
                     </a:p>
                   </a:txBody>
@@ -5226,114 +5807,156 @@
                     <a:bodyPr/>
                     <a:lstStyle/>
                     <a:p>
-                      <a:pPr algn="ctr" rtl="0" fontAlgn="b"/>
-                      <a:r>
-                        <a:rPr lang="en-US" sz="1400" dirty="0" err="1">
-                          <a:effectLst/>
+                      <a:pPr algn="ctr"/>
+                      <a:r>
+                        <a:rPr lang="en-US" sz="1100" b="1" kern="1200" dirty="0" err="1">
+                          <a:solidFill>
+                            <a:schemeClr val="dk1"/>
+                          </a:solidFill>
                         </a:rPr>
                         <a:t>RecipesList</a:t>
                       </a:r>
-                      <a:endParaRPr lang="en-US" sz="1400" dirty="0">
-                        <a:effectLst/>
-                      </a:endParaRPr>
-                    </a:p>
-                  </a:txBody>
-                  <a:tcPr marL="19050" marR="19050" marT="12700" marB="12700" anchor="b"/>
-                </a:tc>
-                <a:tc>
-                  <a:txBody>
-                    <a:bodyPr/>
-                    <a:lstStyle/>
-                    <a:p>
-                      <a:pPr algn="ctr" rtl="0" fontAlgn="b"/>
-                      <a:r>
-                        <a:rPr lang="he-IL" sz="1400">
-                          <a:effectLst/>
-                        </a:rPr>
-                        <a:t>מצגת רשימת מתכונים קיימים</a:t>
-                      </a:r>
-                    </a:p>
-                  </a:txBody>
-                  <a:tcPr marL="19050" marR="19050" marT="12700" marB="12700" anchor="b"/>
-                </a:tc>
-                <a:tc>
-                  <a:txBody>
-                    <a:bodyPr/>
-                    <a:lstStyle/>
-                    <a:p>
-                      <a:pPr algn="ctr" rtl="0" fontAlgn="b"/>
-                      <a:endParaRPr lang="he-IL" sz="1400" dirty="0">
-                        <a:effectLst/>
-                      </a:endParaRPr>
-                    </a:p>
-                  </a:txBody>
-                  <a:tcPr marL="19050" marR="19050" marT="12700" marB="12700" anchor="b"/>
-                </a:tc>
-                <a:tc>
-                  <a:txBody>
-                    <a:bodyPr/>
-                    <a:lstStyle/>
-                    <a:p>
-                      <a:pPr algn="ctr" rtl="0" fontAlgn="b"/>
-                      <a:r>
-                        <a:rPr lang="en-US" sz="1400" dirty="0" err="1">
-                          <a:effectLst/>
-                        </a:rPr>
-                        <a:t>Resdux:get</a:t>
-                      </a:r>
-                      <a:r>
-                        <a:rPr lang="en-US" sz="1400" dirty="0">
-                          <a:effectLst/>
-                        </a:rPr>
-                        <a:t> the recipes</a:t>
-                      </a:r>
-                      <a:endParaRPr lang="he-IL" sz="1400" dirty="0">
-                        <a:effectLst/>
-                      </a:endParaRPr>
-                    </a:p>
-                  </a:txBody>
-                  <a:tcPr marL="19050" marR="19050" marT="12700" marB="12700" anchor="b"/>
-                </a:tc>
-                <a:tc>
-                  <a:txBody>
-                    <a:bodyPr/>
-                    <a:lstStyle/>
-                    <a:p>
-                      <a:pPr algn="ctr" rtl="0" fontAlgn="b"/>
-                      <a:r>
-                        <a:rPr lang="en-US" sz="1400" dirty="0">
-                          <a:effectLst/>
-                        </a:rPr>
-                        <a:t>Router</a:t>
-                      </a:r>
-                    </a:p>
-                  </a:txBody>
-                  <a:tcPr marL="19050" marR="19050" marT="12700" marB="12700" anchor="b"/>
-                </a:tc>
-                <a:tc>
-                  <a:txBody>
-                    <a:bodyPr/>
-                    <a:lstStyle/>
-                    <a:p>
-                      <a:pPr algn="ctr" rtl="0" fontAlgn="b"/>
-                      <a:r>
-                        <a:rPr lang="en-US" sz="1400" dirty="0">
-                          <a:effectLst/>
-                        </a:rPr>
-                        <a:t>Link to </a:t>
-                      </a:r>
-                      <a:r>
-                        <a:rPr lang="en-US" sz="1400" dirty="0" err="1">
-                          <a:effectLst/>
-                        </a:rPr>
-                        <a:t>showRecipe</a:t>
-                      </a:r>
-                      <a:endParaRPr lang="he-IL" sz="1400" dirty="0">
-                        <a:effectLst/>
-                      </a:endParaRPr>
-                    </a:p>
-                  </a:txBody>
-                  <a:tcPr marL="19050" marR="19050" marT="12700" marB="12700" anchor="b"/>
+                      <a:endParaRPr lang="en-US" sz="1100" b="1" kern="1200" dirty="0">
+                        <a:solidFill>
+                          <a:schemeClr val="dk1"/>
+                        </a:solidFill>
+                        <a:latin typeface="+mn-lt"/>
+                        <a:ea typeface="+mn-ea"/>
+                        <a:cs typeface="+mn-cs"/>
+                      </a:endParaRPr>
+                    </a:p>
+                  </a:txBody>
+                  <a:tcPr anchor="ctr"/>
+                </a:tc>
+                <a:tc>
+                  <a:txBody>
+                    <a:bodyPr/>
+                    <a:lstStyle/>
+                    <a:p>
+                      <a:pPr algn="ctr"/>
+                      <a:r>
+                        <a:rPr lang="he-IL" sz="1100" b="1" kern="1200" dirty="0">
+                          <a:solidFill>
+                            <a:schemeClr val="dk1"/>
+                          </a:solidFill>
+                        </a:rPr>
+                        <a:t>רשימת מתכונים קיימים</a:t>
+                      </a:r>
+                      <a:endParaRPr lang="he-IL" sz="1100" b="1" kern="1200" dirty="0">
+                        <a:solidFill>
+                          <a:schemeClr val="dk1"/>
+                        </a:solidFill>
+                        <a:latin typeface="+mn-lt"/>
+                        <a:ea typeface="+mn-ea"/>
+                        <a:cs typeface="+mn-cs"/>
+                      </a:endParaRPr>
+                    </a:p>
+                  </a:txBody>
+                  <a:tcPr anchor="ctr"/>
+                </a:tc>
+                <a:tc>
+                  <a:txBody>
+                    <a:bodyPr/>
+                    <a:lstStyle/>
+                    <a:p>
+                      <a:pPr algn="ctr"/>
+                      <a:r>
+                        <a:rPr lang="he-IL" sz="1100" b="1" kern="1200" dirty="0">
+                          <a:solidFill>
+                            <a:schemeClr val="dk1"/>
+                          </a:solidFill>
+                        </a:rPr>
+                        <a:t>אין</a:t>
+                      </a:r>
+                      <a:endParaRPr lang="he-IL" sz="1100" b="1" kern="1200" dirty="0">
+                        <a:solidFill>
+                          <a:schemeClr val="dk1"/>
+                        </a:solidFill>
+                        <a:latin typeface="+mn-lt"/>
+                        <a:ea typeface="+mn-ea"/>
+                        <a:cs typeface="+mn-cs"/>
+                      </a:endParaRPr>
+                    </a:p>
+                  </a:txBody>
+                  <a:tcPr anchor="ctr"/>
+                </a:tc>
+                <a:tc>
+                  <a:txBody>
+                    <a:bodyPr/>
+                    <a:lstStyle/>
+                    <a:p>
+                      <a:pPr algn="ctr"/>
+                      <a:r>
+                        <a:rPr lang="en-US" sz="1100" b="1" kern="1200" dirty="0">
+                          <a:solidFill>
+                            <a:schemeClr val="dk1"/>
+                          </a:solidFill>
+                        </a:rPr>
+                        <a:t>recipes</a:t>
+                      </a:r>
+                      <a:endParaRPr lang="en-US" sz="1100" b="1" kern="1200" dirty="0">
+                        <a:solidFill>
+                          <a:schemeClr val="dk1"/>
+                        </a:solidFill>
+                        <a:latin typeface="+mn-lt"/>
+                        <a:ea typeface="+mn-ea"/>
+                        <a:cs typeface="+mn-cs"/>
+                      </a:endParaRPr>
+                    </a:p>
+                  </a:txBody>
+                  <a:tcPr anchor="ctr"/>
+                </a:tc>
+                <a:tc>
+                  <a:txBody>
+                    <a:bodyPr/>
+                    <a:lstStyle/>
+                    <a:p>
+                      <a:pPr algn="ctr"/>
+                      <a:r>
+                        <a:rPr lang="en-US" sz="1100" b="1" kern="1200" dirty="0" err="1">
+                          <a:solidFill>
+                            <a:schemeClr val="dk1"/>
+                          </a:solidFill>
+                        </a:rPr>
+                        <a:t>NavBar</a:t>
+                      </a:r>
+                      <a:endParaRPr lang="en-US" sz="1100" b="1" kern="1200" dirty="0">
+                        <a:solidFill>
+                          <a:schemeClr val="dk1"/>
+                        </a:solidFill>
+                        <a:latin typeface="+mn-lt"/>
+                        <a:ea typeface="+mn-ea"/>
+                        <a:cs typeface="+mn-cs"/>
+                      </a:endParaRPr>
+                    </a:p>
+                  </a:txBody>
+                  <a:tcPr anchor="ctr"/>
+                </a:tc>
+                <a:tc>
+                  <a:txBody>
+                    <a:bodyPr/>
+                    <a:lstStyle/>
+                    <a:p>
+                      <a:pPr algn="ctr"/>
+                      <a:r>
+                        <a:rPr lang="en-US" sz="1100" b="1" kern="1200" dirty="0" err="1">
+                          <a:solidFill>
+                            <a:schemeClr val="dk1"/>
+                          </a:solidFill>
+                        </a:rPr>
+                        <a:t>ShowRecipe</a:t>
+                      </a:r>
+                      <a:endParaRPr lang="en-US" sz="1100" b="1" kern="1200" dirty="0">
+                        <a:solidFill>
+                          <a:schemeClr val="dk1"/>
+                        </a:solidFill>
+                        <a:latin typeface="+mn-lt"/>
+                        <a:ea typeface="+mn-ea"/>
+                        <a:cs typeface="+mn-cs"/>
+                      </a:endParaRPr>
+                    </a:p>
+                  </a:txBody>
+                  <a:tcPr anchor="ctr"/>
                 </a:tc>
                 <a:extLst>
                   <a:ext uri="{0D108BD9-81ED-4DB2-BD59-A6C34878D82A}">
@@ -5347,137 +5970,159 @@
                     <a:bodyPr/>
                     <a:lstStyle/>
                     <a:p>
-                      <a:pPr algn="ctr" rtl="0" fontAlgn="b"/>
-                      <a:r>
-                        <a:rPr lang="en-US" sz="1400" dirty="0" err="1">
-                          <a:effectLst/>
+                      <a:pPr algn="ctr"/>
+                      <a:r>
+                        <a:rPr lang="en-US" sz="1100" b="1" kern="1200">
+                          <a:solidFill>
+                            <a:schemeClr val="dk1"/>
+                          </a:solidFill>
                         </a:rPr>
                         <a:t>ShowRecipe</a:t>
                       </a:r>
-                      <a:endParaRPr lang="en-US" sz="1400" dirty="0">
-                        <a:effectLst/>
-                      </a:endParaRPr>
-                    </a:p>
-                  </a:txBody>
-                  <a:tcPr marL="19050" marR="19050" marT="12700" marB="12700" anchor="b"/>
-                </a:tc>
-                <a:tc>
-                  <a:txBody>
-                    <a:bodyPr/>
-                    <a:lstStyle/>
-                    <a:p>
-                      <a:pPr algn="ctr" rtl="0" fontAlgn="b"/>
-                      <a:r>
-                        <a:rPr lang="he-IL" sz="1400" dirty="0">
-                          <a:effectLst/>
-                        </a:rPr>
-                        <a:t>מצגת מתכון ספציפי על פי מזהה</a:t>
-                      </a:r>
-                    </a:p>
-                  </a:txBody>
-                  <a:tcPr marL="19050" marR="19050" marT="12700" marB="12700" anchor="b"/>
-                </a:tc>
-                <a:tc>
-                  <a:txBody>
-                    <a:bodyPr/>
-                    <a:lstStyle/>
-                    <a:p>
-                      <a:pPr algn="ctr" rtl="0" fontAlgn="b"/>
-                      <a:endParaRPr lang="he-IL" sz="1400">
-                        <a:effectLst/>
-                      </a:endParaRPr>
-                    </a:p>
-                  </a:txBody>
-                  <a:tcPr marL="19050" marR="19050" marT="12700" marB="12700" anchor="b"/>
-                </a:tc>
-                <a:tc>
-                  <a:txBody>
-                    <a:bodyPr/>
-                    <a:lstStyle/>
-                    <a:p>
-                      <a:pPr marL="0" marR="0" lvl="0" indent="0" algn="ctr" defTabSz="914388" rtl="0" eaLnBrk="1" fontAlgn="b" latinLnBrk="0" hangingPunct="1">
-                        <a:lnSpc>
-                          <a:spcPct val="100000"/>
-                        </a:lnSpc>
-                        <a:spcBef>
-                          <a:spcPts val="0"/>
-                        </a:spcBef>
-                        <a:spcAft>
-                          <a:spcPts val="0"/>
-                        </a:spcAft>
-                        <a:buClrTx/>
-                        <a:buSzTx/>
-                        <a:buFontTx/>
-                        <a:buNone/>
-                        <a:tabLst/>
-                        <a:defRPr/>
-                      </a:pPr>
-                      <a:r>
-                        <a:rPr lang="en-US" sz="1400" dirty="0" err="1">
-                          <a:effectLst/>
-                        </a:rPr>
-                        <a:t>Resdux:get</a:t>
-                      </a:r>
-                      <a:r>
-                        <a:rPr lang="en-US" sz="1400" dirty="0">
-                          <a:effectLst/>
-                        </a:rPr>
-                        <a:t> the recipes</a:t>
-                      </a:r>
-                      <a:endParaRPr lang="he-IL" sz="1400" dirty="0">
-                        <a:effectLst/>
-                      </a:endParaRPr>
-                    </a:p>
-                  </a:txBody>
-                  <a:tcPr marL="19050" marR="19050" marT="12700" marB="12700" anchor="b"/>
-                </a:tc>
-                <a:tc>
-                  <a:txBody>
-                    <a:bodyPr/>
-                    <a:lstStyle/>
-                    <a:p>
-                      <a:pPr marL="0" marR="0" lvl="0" indent="0" algn="ctr" defTabSz="914388" rtl="0" eaLnBrk="1" fontAlgn="b" latinLnBrk="0" hangingPunct="1">
-                        <a:lnSpc>
-                          <a:spcPct val="100000"/>
-                        </a:lnSpc>
-                        <a:spcBef>
-                          <a:spcPts val="0"/>
-                        </a:spcBef>
-                        <a:spcAft>
-                          <a:spcPts val="0"/>
-                        </a:spcAft>
-                        <a:buClrTx/>
-                        <a:buSzTx/>
-                        <a:buFontTx/>
-                        <a:buNone/>
-                        <a:tabLst/>
-                        <a:defRPr/>
-                      </a:pPr>
-                      <a:r>
-                        <a:rPr lang="en-US" sz="1600">
-                          <a:effectLst/>
+                      <a:endParaRPr lang="en-US" sz="1100" b="1" kern="1200">
+                        <a:solidFill>
+                          <a:schemeClr val="dk1"/>
+                        </a:solidFill>
+                        <a:latin typeface="+mn-lt"/>
+                        <a:ea typeface="+mn-ea"/>
+                        <a:cs typeface="+mn-cs"/>
+                      </a:endParaRPr>
+                    </a:p>
+                  </a:txBody>
+                  <a:tcPr anchor="ctr"/>
+                </a:tc>
+                <a:tc>
+                  <a:txBody>
+                    <a:bodyPr/>
+                    <a:lstStyle/>
+                    <a:p>
+                      <a:pPr algn="ctr"/>
+                      <a:r>
+                        <a:rPr lang="he-IL" sz="1100" b="1" kern="1200">
+                          <a:solidFill>
+                            <a:schemeClr val="dk1"/>
+                          </a:solidFill>
+                        </a:rPr>
+                        <a:t>תצוגת מתכון בודד</a:t>
+                      </a:r>
+                      <a:endParaRPr lang="he-IL" sz="1100" b="1" kern="1200">
+                        <a:solidFill>
+                          <a:schemeClr val="dk1"/>
+                        </a:solidFill>
+                        <a:latin typeface="+mn-lt"/>
+                        <a:ea typeface="+mn-ea"/>
+                        <a:cs typeface="+mn-cs"/>
+                      </a:endParaRPr>
+                    </a:p>
+                  </a:txBody>
+                  <a:tcPr anchor="ctr"/>
+                </a:tc>
+                <a:tc>
+                  <a:txBody>
+                    <a:bodyPr/>
+                    <a:lstStyle/>
+                    <a:p>
+                      <a:pPr algn="ctr"/>
+                      <a:r>
+                        <a:rPr lang="he-IL" sz="1100" b="1" kern="1200" dirty="0">
+                          <a:solidFill>
+                            <a:schemeClr val="dk1"/>
+                          </a:solidFill>
+                          <a:latin typeface="+mn-lt"/>
+                          <a:ea typeface="+mn-ea"/>
+                          <a:cs typeface="+mn-cs"/>
+                        </a:rPr>
+                        <a:t>אין</a:t>
+                      </a:r>
+                      <a:endParaRPr lang="en-US" sz="1100" b="1" kern="1200" dirty="0">
+                        <a:solidFill>
+                          <a:schemeClr val="dk1"/>
+                        </a:solidFill>
+                        <a:latin typeface="+mn-lt"/>
+                        <a:ea typeface="+mn-ea"/>
+                        <a:cs typeface="+mn-cs"/>
+                      </a:endParaRPr>
+                    </a:p>
+                  </a:txBody>
+                  <a:tcPr anchor="ctr"/>
+                </a:tc>
+                <a:tc>
+                  <a:txBody>
+                    <a:bodyPr/>
+                    <a:lstStyle/>
+                    <a:p>
+                      <a:pPr algn="ctr"/>
+                      <a:r>
+                        <a:rPr lang="en-US" sz="1100" b="1" kern="1200">
+                          <a:solidFill>
+                            <a:schemeClr val="dk1"/>
+                          </a:solidFill>
+                        </a:rPr>
+                        <a:t>recipes</a:t>
+                      </a:r>
+                      <a:endParaRPr lang="en-US" sz="1100" b="1" kern="1200">
+                        <a:solidFill>
+                          <a:schemeClr val="dk1"/>
+                        </a:solidFill>
+                        <a:latin typeface="+mn-lt"/>
+                        <a:ea typeface="+mn-ea"/>
+                        <a:cs typeface="+mn-cs"/>
+                      </a:endParaRPr>
+                    </a:p>
+                  </a:txBody>
+                  <a:tcPr anchor="ctr"/>
+                </a:tc>
+                <a:tc>
+                  <a:txBody>
+                    <a:bodyPr/>
+                    <a:lstStyle/>
+                    <a:p>
+                      <a:pPr algn="ctr"/>
+                      <a:r>
+                        <a:rPr lang="en-US" sz="1100" b="1" kern="1200" dirty="0" err="1">
+                          <a:solidFill>
+                            <a:schemeClr val="dk1"/>
+                          </a:solidFill>
                         </a:rPr>
                         <a:t>RecipesList</a:t>
                       </a:r>
-                      <a:endParaRPr lang="en-US" sz="1400" dirty="0">
-                        <a:effectLst/>
-                      </a:endParaRPr>
-                    </a:p>
-                  </a:txBody>
-                  <a:tcPr marL="19050" marR="19050" marT="12700" marB="12700" anchor="b"/>
-                </a:tc>
-                <a:tc>
-                  <a:txBody>
-                    <a:bodyPr/>
-                    <a:lstStyle/>
-                    <a:p>
-                      <a:pPr algn="ctr" rtl="0" fontAlgn="b"/>
-                      <a:endParaRPr lang="he-IL" sz="1400" dirty="0">
-                        <a:effectLst/>
-                      </a:endParaRPr>
-                    </a:p>
-                  </a:txBody>
-                  <a:tcPr marL="19050" marR="19050" marT="12700" marB="12700" anchor="b"/>
+                      <a:endParaRPr lang="en-US" sz="1100" b="1" kern="1200" dirty="0">
+                        <a:solidFill>
+                          <a:schemeClr val="dk1"/>
+                        </a:solidFill>
+                        <a:latin typeface="+mn-lt"/>
+                        <a:ea typeface="+mn-ea"/>
+                        <a:cs typeface="+mn-cs"/>
+                      </a:endParaRPr>
+                    </a:p>
+                  </a:txBody>
+                  <a:tcPr anchor="ctr"/>
+                </a:tc>
+                <a:tc>
+                  <a:txBody>
+                    <a:bodyPr/>
+                    <a:lstStyle/>
+                    <a:p>
+                      <a:pPr algn="ctr"/>
+                      <a:r>
+                        <a:rPr lang="he-IL" sz="1100" b="1" kern="1200" dirty="0">
+                          <a:solidFill>
+                            <a:schemeClr val="dk1"/>
+                          </a:solidFill>
+                        </a:rPr>
+                        <a:t>אין</a:t>
+                      </a:r>
+                      <a:endParaRPr lang="he-IL" sz="1100" b="1" kern="1200" dirty="0">
+                        <a:solidFill>
+                          <a:schemeClr val="dk1"/>
+                        </a:solidFill>
+                        <a:latin typeface="+mn-lt"/>
+                        <a:ea typeface="+mn-ea"/>
+                        <a:cs typeface="+mn-cs"/>
+                      </a:endParaRPr>
+                    </a:p>
+                  </a:txBody>
+                  <a:tcPr anchor="ctr"/>
                 </a:tc>
                 <a:extLst>
                   <a:ext uri="{0D108BD9-81ED-4DB2-BD59-A6C34878D82A}">
@@ -5491,87 +6136,156 @@
                     <a:bodyPr/>
                     <a:lstStyle/>
                     <a:p>
-                      <a:pPr algn="ctr" rtl="0" fontAlgn="b"/>
-                      <a:r>
-                        <a:rPr lang="en-US" sz="1400">
-                          <a:effectLst/>
+                      <a:pPr algn="ctr"/>
+                      <a:r>
+                        <a:rPr lang="en-US" sz="1100" b="1" kern="1200">
+                          <a:solidFill>
+                            <a:schemeClr val="dk1"/>
+                          </a:solidFill>
                         </a:rPr>
                         <a:t>HomePage</a:t>
                       </a:r>
-                    </a:p>
-                  </a:txBody>
-                  <a:tcPr marL="19050" marR="19050" marT="12700" marB="12700" anchor="b"/>
-                </a:tc>
-                <a:tc>
-                  <a:txBody>
-                    <a:bodyPr/>
-                    <a:lstStyle/>
-                    <a:p>
-                      <a:pPr algn="ctr" rtl="0" fontAlgn="b"/>
-                      <a:r>
-                        <a:rPr lang="he-IL" sz="1400">
-                          <a:effectLst/>
-                        </a:rPr>
-                        <a:t>מציגה את דף הבית של האפליקציה</a:t>
-                      </a:r>
-                    </a:p>
-                  </a:txBody>
-                  <a:tcPr marL="19050" marR="19050" marT="12700" marB="12700" anchor="b"/>
-                </a:tc>
-                <a:tc>
-                  <a:txBody>
-                    <a:bodyPr/>
-                    <a:lstStyle/>
-                    <a:p>
-                      <a:pPr algn="ctr" rtl="0" fontAlgn="b"/>
-                      <a:endParaRPr lang="he-IL" sz="1400" dirty="0">
-                        <a:effectLst/>
-                      </a:endParaRPr>
-                    </a:p>
-                  </a:txBody>
-                  <a:tcPr marL="19050" marR="19050" marT="12700" marB="12700" anchor="b"/>
-                </a:tc>
-                <a:tc>
-                  <a:txBody>
-                    <a:bodyPr/>
-                    <a:lstStyle/>
-                    <a:p>
-                      <a:pPr algn="ctr" rtl="0" fontAlgn="b"/>
-                      <a:endParaRPr lang="he-IL" sz="1400" dirty="0">
-                        <a:effectLst/>
-                      </a:endParaRPr>
-                    </a:p>
-                  </a:txBody>
-                  <a:tcPr marL="19050" marR="19050" marT="12700" marB="12700" anchor="b"/>
-                </a:tc>
-                <a:tc>
-                  <a:txBody>
-                    <a:bodyPr/>
-                    <a:lstStyle/>
-                    <a:p>
-                      <a:pPr algn="ctr" rtl="0" fontAlgn="b"/>
-                      <a:r>
-                        <a:rPr lang="en-US" sz="1400" dirty="0">
-                          <a:effectLst/>
-                        </a:rPr>
-                        <a:t>Router</a:t>
-                      </a:r>
-                    </a:p>
-                  </a:txBody>
-                  <a:tcPr marL="19050" marR="19050" marT="12700" marB="12700" anchor="b"/>
-                </a:tc>
-                <a:tc>
-                  <a:txBody>
-                    <a:bodyPr/>
-                    <a:lstStyle/>
-                    <a:p>
-                      <a:pPr algn="ctr" rtl="0" fontAlgn="b"/>
-                      <a:endParaRPr lang="he-IL" sz="1400" dirty="0">
-                        <a:effectLst/>
-                      </a:endParaRPr>
-                    </a:p>
-                  </a:txBody>
-                  <a:tcPr marL="19050" marR="19050" marT="12700" marB="12700" anchor="b"/>
+                      <a:endParaRPr lang="en-US" sz="1100" b="1" kern="1200">
+                        <a:solidFill>
+                          <a:schemeClr val="dk1"/>
+                        </a:solidFill>
+                        <a:latin typeface="+mn-lt"/>
+                        <a:ea typeface="+mn-ea"/>
+                        <a:cs typeface="+mn-cs"/>
+                      </a:endParaRPr>
+                    </a:p>
+                  </a:txBody>
+                  <a:tcPr anchor="ctr"/>
+                </a:tc>
+                <a:tc>
+                  <a:txBody>
+                    <a:bodyPr/>
+                    <a:lstStyle/>
+                    <a:p>
+                      <a:pPr algn="ctr"/>
+                      <a:r>
+                        <a:rPr lang="he-IL" sz="1100" b="1" kern="1200">
+                          <a:solidFill>
+                            <a:schemeClr val="dk1"/>
+                          </a:solidFill>
+                        </a:rPr>
+                        <a:t>דף הבית של האתר</a:t>
+                      </a:r>
+                      <a:endParaRPr lang="he-IL" sz="1100" b="1" kern="1200">
+                        <a:solidFill>
+                          <a:schemeClr val="dk1"/>
+                        </a:solidFill>
+                        <a:latin typeface="+mn-lt"/>
+                        <a:ea typeface="+mn-ea"/>
+                        <a:cs typeface="+mn-cs"/>
+                      </a:endParaRPr>
+                    </a:p>
+                  </a:txBody>
+                  <a:tcPr anchor="ctr"/>
+                </a:tc>
+                <a:tc>
+                  <a:txBody>
+                    <a:bodyPr/>
+                    <a:lstStyle/>
+                    <a:p>
+                      <a:pPr algn="ctr"/>
+                      <a:r>
+                        <a:rPr lang="he-IL" sz="1100" b="1" kern="1200" dirty="0">
+                          <a:solidFill>
+                            <a:schemeClr val="dk1"/>
+                          </a:solidFill>
+                        </a:rPr>
+                        <a:t>אין</a:t>
+                      </a:r>
+                      <a:endParaRPr lang="he-IL" sz="1100" b="1" kern="1200" dirty="0">
+                        <a:solidFill>
+                          <a:schemeClr val="dk1"/>
+                        </a:solidFill>
+                        <a:latin typeface="+mn-lt"/>
+                        <a:ea typeface="+mn-ea"/>
+                        <a:cs typeface="+mn-cs"/>
+                      </a:endParaRPr>
+                    </a:p>
+                  </a:txBody>
+                  <a:tcPr anchor="ctr"/>
+                </a:tc>
+                <a:tc>
+                  <a:txBody>
+                    <a:bodyPr/>
+                    <a:lstStyle/>
+                    <a:p>
+                      <a:pPr algn="ctr"/>
+                      <a:r>
+                        <a:rPr lang="he-IL" sz="1100" b="1" kern="1200">
+                          <a:solidFill>
+                            <a:schemeClr val="dk1"/>
+                          </a:solidFill>
+                        </a:rPr>
+                        <a:t>אין</a:t>
+                      </a:r>
+                      <a:endParaRPr lang="he-IL" sz="1100" b="1" kern="1200">
+                        <a:solidFill>
+                          <a:schemeClr val="dk1"/>
+                        </a:solidFill>
+                        <a:latin typeface="+mn-lt"/>
+                        <a:ea typeface="+mn-ea"/>
+                        <a:cs typeface="+mn-cs"/>
+                      </a:endParaRPr>
+                    </a:p>
+                  </a:txBody>
+                  <a:tcPr anchor="ctr"/>
+                </a:tc>
+                <a:tc>
+                  <a:txBody>
+                    <a:bodyPr/>
+                    <a:lstStyle/>
+                    <a:p>
+                      <a:pPr algn="ctr"/>
+                      <a:r>
+                        <a:rPr lang="en-US" sz="1100" b="1" kern="1200" dirty="0" err="1">
+                          <a:solidFill>
+                            <a:schemeClr val="dk1"/>
+                          </a:solidFill>
+                        </a:rPr>
+                        <a:t>NavBar</a:t>
+                      </a:r>
+                      <a:endParaRPr lang="en-US" sz="1100" b="1" kern="1200" dirty="0">
+                        <a:solidFill>
+                          <a:schemeClr val="dk1"/>
+                        </a:solidFill>
+                        <a:latin typeface="+mn-lt"/>
+                        <a:ea typeface="+mn-ea"/>
+                        <a:cs typeface="+mn-cs"/>
+                      </a:endParaRPr>
+                    </a:p>
+                  </a:txBody>
+                  <a:tcPr anchor="ctr"/>
+                </a:tc>
+                <a:tc>
+                  <a:txBody>
+                    <a:bodyPr/>
+                    <a:lstStyle/>
+                    <a:p>
+                      <a:pPr algn="ctr"/>
+                      <a:r>
+                        <a:rPr lang="he-IL" sz="1100" b="1" kern="1200" dirty="0">
+                          <a:solidFill>
+                            <a:schemeClr val="dk1"/>
+                          </a:solidFill>
+                        </a:rPr>
+                        <a:t>אין</a:t>
+                      </a:r>
+                      <a:endParaRPr lang="he-IL" sz="1100" b="1" kern="1200" dirty="0">
+                        <a:solidFill>
+                          <a:schemeClr val="dk1"/>
+                        </a:solidFill>
+                        <a:latin typeface="+mn-lt"/>
+                        <a:ea typeface="+mn-ea"/>
+                        <a:cs typeface="+mn-cs"/>
+                      </a:endParaRPr>
+                    </a:p>
+                  </a:txBody>
+                  <a:tcPr anchor="ctr"/>
                 </a:tc>
                 <a:extLst>
                   <a:ext uri="{0D108BD9-81ED-4DB2-BD59-A6C34878D82A}">
@@ -5585,93 +6299,156 @@
                     <a:bodyPr/>
                     <a:lstStyle/>
                     <a:p>
-                      <a:pPr algn="ctr" rtl="0" fontAlgn="b"/>
-                      <a:r>
-                        <a:rPr lang="en-US" sz="1400">
-                          <a:effectLst/>
+                      <a:pPr algn="ctr"/>
+                      <a:r>
+                        <a:rPr lang="en-US" sz="1100" b="1" kern="1200" dirty="0" err="1">
+                          <a:solidFill>
+                            <a:schemeClr val="dk1"/>
+                          </a:solidFill>
                         </a:rPr>
                         <a:t>AddRecipe</a:t>
                       </a:r>
-                    </a:p>
-                  </a:txBody>
-                  <a:tcPr marL="19050" marR="19050" marT="12700" marB="12700" anchor="b"/>
-                </a:tc>
-                <a:tc>
-                  <a:txBody>
-                    <a:bodyPr/>
-                    <a:lstStyle/>
-                    <a:p>
-                      <a:pPr algn="ctr" rtl="0" fontAlgn="b"/>
-                      <a:r>
-                        <a:rPr lang="he-IL" sz="1400">
-                          <a:effectLst/>
-                        </a:rPr>
-                        <a:t>ממשק להוספת מתכון חדש</a:t>
-                      </a:r>
-                    </a:p>
-                  </a:txBody>
-                  <a:tcPr marL="19050" marR="19050" marT="12700" marB="12700" anchor="b"/>
-                </a:tc>
-                <a:tc>
-                  <a:txBody>
-                    <a:bodyPr/>
-                    <a:lstStyle/>
-                    <a:p>
-                      <a:pPr algn="ctr" rtl="0" fontAlgn="b"/>
-                      <a:endParaRPr lang="he-IL" sz="1400" dirty="0">
-                        <a:effectLst/>
-                      </a:endParaRPr>
-                    </a:p>
-                  </a:txBody>
-                  <a:tcPr marL="19050" marR="19050" marT="12700" marB="12700" anchor="b"/>
-                </a:tc>
-                <a:tc>
-                  <a:txBody>
-                    <a:bodyPr/>
-                    <a:lstStyle/>
-                    <a:p>
-                      <a:pPr algn="ctr" rtl="0" fontAlgn="b"/>
-                      <a:endParaRPr lang="he-IL" sz="1400" dirty="0">
-                        <a:effectLst/>
-                      </a:endParaRPr>
-                    </a:p>
-                  </a:txBody>
-                  <a:tcPr marL="19050" marR="19050" marT="12700" marB="12700" anchor="b"/>
-                </a:tc>
-                <a:tc>
-                  <a:txBody>
-                    <a:bodyPr/>
-                    <a:lstStyle/>
-                    <a:p>
-                      <a:pPr algn="ctr" rtl="0" fontAlgn="b"/>
-                      <a:r>
-                        <a:rPr lang="en-US" sz="1400" dirty="0">
-                          <a:effectLst/>
-                        </a:rPr>
-                        <a:t>Router</a:t>
-                      </a:r>
-                    </a:p>
-                  </a:txBody>
-                  <a:tcPr marL="19050" marR="19050" marT="12700" marB="12700" anchor="b"/>
-                </a:tc>
-                <a:tc>
-                  <a:txBody>
-                    <a:bodyPr/>
-                    <a:lstStyle/>
-                    <a:p>
-                      <a:pPr algn="ctr" rtl="0" fontAlgn="b"/>
-                      <a:r>
-                        <a:rPr lang="en-US" sz="1400" dirty="0">
-                          <a:effectLst/>
+                      <a:endParaRPr lang="en-US" sz="1100" b="1" kern="1200" dirty="0">
+                        <a:solidFill>
+                          <a:schemeClr val="dk1"/>
+                        </a:solidFill>
+                        <a:latin typeface="+mn-lt"/>
+                        <a:ea typeface="+mn-ea"/>
+                        <a:cs typeface="+mn-cs"/>
+                      </a:endParaRPr>
+                    </a:p>
+                  </a:txBody>
+                  <a:tcPr anchor="ctr"/>
+                </a:tc>
+                <a:tc>
+                  <a:txBody>
+                    <a:bodyPr/>
+                    <a:lstStyle/>
+                    <a:p>
+                      <a:pPr algn="ctr"/>
+                      <a:r>
+                        <a:rPr lang="he-IL" sz="1100" b="1" kern="1200">
+                          <a:solidFill>
+                            <a:schemeClr val="dk1"/>
+                          </a:solidFill>
+                        </a:rPr>
+                        <a:t>הוספת מתכון חדש</a:t>
+                      </a:r>
+                      <a:endParaRPr lang="he-IL" sz="1100" b="1" kern="1200">
+                        <a:solidFill>
+                          <a:schemeClr val="dk1"/>
+                        </a:solidFill>
+                        <a:latin typeface="+mn-lt"/>
+                        <a:ea typeface="+mn-ea"/>
+                        <a:cs typeface="+mn-cs"/>
+                      </a:endParaRPr>
+                    </a:p>
+                  </a:txBody>
+                  <a:tcPr anchor="ctr"/>
+                </a:tc>
+                <a:tc>
+                  <a:txBody>
+                    <a:bodyPr/>
+                    <a:lstStyle/>
+                    <a:p>
+                      <a:pPr algn="ctr"/>
+                      <a:r>
+                        <a:rPr lang="he-IL" sz="1100" b="1" kern="1200" dirty="0">
+                          <a:solidFill>
+                            <a:schemeClr val="dk1"/>
+                          </a:solidFill>
+                        </a:rPr>
+                        <a:t>אין</a:t>
+                      </a:r>
+                      <a:endParaRPr lang="he-IL" sz="1100" b="1" kern="1200" dirty="0">
+                        <a:solidFill>
+                          <a:schemeClr val="dk1"/>
+                        </a:solidFill>
+                        <a:latin typeface="+mn-lt"/>
+                        <a:ea typeface="+mn-ea"/>
+                        <a:cs typeface="+mn-cs"/>
+                      </a:endParaRPr>
+                    </a:p>
+                  </a:txBody>
+                  <a:tcPr anchor="ctr"/>
+                </a:tc>
+                <a:tc>
+                  <a:txBody>
+                    <a:bodyPr/>
+                    <a:lstStyle/>
+                    <a:p>
+                      <a:pPr algn="ctr"/>
+                      <a:r>
+                        <a:rPr lang="en-US" sz="1100" b="1" kern="1200">
+                          <a:solidFill>
+                            <a:schemeClr val="dk1"/>
+                          </a:solidFill>
+                        </a:rPr>
+                        <a:t>UserContext</a:t>
+                      </a:r>
+                      <a:endParaRPr lang="en-US" sz="1100" b="1" kern="1200">
+                        <a:solidFill>
+                          <a:schemeClr val="dk1"/>
+                        </a:solidFill>
+                        <a:latin typeface="+mn-lt"/>
+                        <a:ea typeface="+mn-ea"/>
+                        <a:cs typeface="+mn-cs"/>
+                      </a:endParaRPr>
+                    </a:p>
+                  </a:txBody>
+                  <a:tcPr anchor="ctr"/>
+                </a:tc>
+                <a:tc>
+                  <a:txBody>
+                    <a:bodyPr/>
+                    <a:lstStyle/>
+                    <a:p>
+                      <a:pPr algn="ctr"/>
+                      <a:r>
+                        <a:rPr lang="en-US" sz="1100" b="1" kern="1200" dirty="0" err="1">
+                          <a:solidFill>
+                            <a:schemeClr val="dk1"/>
+                          </a:solidFill>
+                        </a:rPr>
+                        <a:t>NavBar</a:t>
+                      </a:r>
+                      <a:endParaRPr lang="en-US" sz="1100" b="1" kern="1200" dirty="0">
+                        <a:solidFill>
+                          <a:schemeClr val="dk1"/>
+                        </a:solidFill>
+                        <a:latin typeface="+mn-lt"/>
+                        <a:ea typeface="+mn-ea"/>
+                        <a:cs typeface="+mn-cs"/>
+                      </a:endParaRPr>
+                    </a:p>
+                  </a:txBody>
+                  <a:tcPr anchor="ctr"/>
+                </a:tc>
+                <a:tc>
+                  <a:txBody>
+                    <a:bodyPr/>
+                    <a:lstStyle/>
+                    <a:p>
+                      <a:pPr algn="ctr"/>
+                      <a:r>
+                        <a:rPr lang="en-US" sz="1100" b="1" kern="1200" dirty="0">
+                          <a:solidFill>
+                            <a:schemeClr val="dk1"/>
+                          </a:solidFill>
                         </a:rPr>
                         <a:t>Error</a:t>
                       </a:r>
-                      <a:endParaRPr lang="he-IL" sz="1400" dirty="0">
-                        <a:effectLst/>
-                      </a:endParaRPr>
-                    </a:p>
-                  </a:txBody>
-                  <a:tcPr marL="19050" marR="19050" marT="12700" marB="12700" anchor="b"/>
+                      <a:endParaRPr lang="en-US" sz="1100" b="1" kern="1200" dirty="0">
+                        <a:solidFill>
+                          <a:schemeClr val="dk1"/>
+                        </a:solidFill>
+                        <a:latin typeface="+mn-lt"/>
+                        <a:ea typeface="+mn-ea"/>
+                        <a:cs typeface="+mn-cs"/>
+                      </a:endParaRPr>
+                    </a:p>
+                  </a:txBody>
+                  <a:tcPr anchor="ctr"/>
                 </a:tc>
                 <a:extLst>
                   <a:ext uri="{0D108BD9-81ED-4DB2-BD59-A6C34878D82A}">
@@ -5685,90 +6462,156 @@
                     <a:bodyPr/>
                     <a:lstStyle/>
                     <a:p>
-                      <a:pPr algn="ctr" rtl="0" fontAlgn="b"/>
-                      <a:r>
-                        <a:rPr lang="en-US" sz="1400">
-                          <a:effectLst/>
+                      <a:pPr algn="ctr"/>
+                      <a:r>
+                        <a:rPr lang="en-US" sz="1100" b="1" kern="1200">
+                          <a:solidFill>
+                            <a:schemeClr val="dk1"/>
+                          </a:solidFill>
                         </a:rPr>
                         <a:t>About</a:t>
                       </a:r>
-                    </a:p>
-                  </a:txBody>
-                  <a:tcPr marL="19050" marR="19050" marT="12700" marB="12700" anchor="b"/>
-                </a:tc>
-                <a:tc>
-                  <a:txBody>
-                    <a:bodyPr/>
-                    <a:lstStyle/>
-                    <a:p>
-                      <a:pPr algn="ctr" rtl="0" fontAlgn="b"/>
-                      <a:r>
-                        <a:rPr lang="he-IL" sz="1400">
-                          <a:effectLst/>
-                        </a:rPr>
-                        <a:t>מציגה מידע על האפליקציה</a:t>
-                      </a:r>
-                    </a:p>
-                  </a:txBody>
-                  <a:tcPr marL="19050" marR="19050" marT="12700" marB="12700" anchor="b"/>
-                </a:tc>
-                <a:tc>
-                  <a:txBody>
-                    <a:bodyPr/>
-                    <a:lstStyle/>
-                    <a:p>
-                      <a:pPr algn="ctr" rtl="0" fontAlgn="b"/>
-                      <a:endParaRPr lang="he-IL" sz="1400" dirty="0">
-                        <a:effectLst/>
-                      </a:endParaRPr>
-                    </a:p>
-                  </a:txBody>
-                  <a:tcPr marL="19050" marR="19050" marT="12700" marB="12700" anchor="b"/>
-                </a:tc>
-                <a:tc>
-                  <a:txBody>
-                    <a:bodyPr/>
-                    <a:lstStyle/>
-                    <a:p>
-                      <a:pPr algn="ctr" rtl="0" fontAlgn="b"/>
-                      <a:endParaRPr lang="he-IL" sz="1400" dirty="0">
-                        <a:effectLst/>
-                      </a:endParaRPr>
-                    </a:p>
-                  </a:txBody>
-                  <a:tcPr marL="19050" marR="19050" marT="12700" marB="12700" anchor="b"/>
-                </a:tc>
-                <a:tc>
-                  <a:txBody>
-                    <a:bodyPr/>
-                    <a:lstStyle/>
-                    <a:p>
-                      <a:pPr algn="ctr" rtl="0" fontAlgn="b"/>
-                      <a:r>
-                        <a:rPr lang="en-US" sz="1400" dirty="0" err="1">
-                          <a:effectLst/>
+                      <a:endParaRPr lang="en-US" sz="1100" b="1" kern="1200">
+                        <a:solidFill>
+                          <a:schemeClr val="dk1"/>
+                        </a:solidFill>
+                        <a:latin typeface="+mn-lt"/>
+                        <a:ea typeface="+mn-ea"/>
+                        <a:cs typeface="+mn-cs"/>
+                      </a:endParaRPr>
+                    </a:p>
+                  </a:txBody>
+                  <a:tcPr anchor="ctr"/>
+                </a:tc>
+                <a:tc>
+                  <a:txBody>
+                    <a:bodyPr/>
+                    <a:lstStyle/>
+                    <a:p>
+                      <a:pPr algn="ctr"/>
+                      <a:r>
+                        <a:rPr lang="he-IL" sz="1100" b="1" kern="1200">
+                          <a:solidFill>
+                            <a:schemeClr val="dk1"/>
+                          </a:solidFill>
+                        </a:rPr>
+                        <a:t>דף אודות</a:t>
+                      </a:r>
+                      <a:endParaRPr lang="he-IL" sz="1100" b="1" kern="1200">
+                        <a:solidFill>
+                          <a:schemeClr val="dk1"/>
+                        </a:solidFill>
+                        <a:latin typeface="+mn-lt"/>
+                        <a:ea typeface="+mn-ea"/>
+                        <a:cs typeface="+mn-cs"/>
+                      </a:endParaRPr>
+                    </a:p>
+                  </a:txBody>
+                  <a:tcPr anchor="ctr"/>
+                </a:tc>
+                <a:tc>
+                  <a:txBody>
+                    <a:bodyPr/>
+                    <a:lstStyle/>
+                    <a:p>
+                      <a:pPr algn="ctr"/>
+                      <a:r>
+                        <a:rPr lang="he-IL" sz="1100" b="1" kern="1200" dirty="0">
+                          <a:solidFill>
+                            <a:schemeClr val="dk1"/>
+                          </a:solidFill>
+                        </a:rPr>
+                        <a:t>אין</a:t>
+                      </a:r>
+                      <a:endParaRPr lang="he-IL" sz="1100" b="1" kern="1200" dirty="0">
+                        <a:solidFill>
+                          <a:schemeClr val="dk1"/>
+                        </a:solidFill>
+                        <a:latin typeface="+mn-lt"/>
+                        <a:ea typeface="+mn-ea"/>
+                        <a:cs typeface="+mn-cs"/>
+                      </a:endParaRPr>
+                    </a:p>
+                  </a:txBody>
+                  <a:tcPr anchor="ctr"/>
+                </a:tc>
+                <a:tc>
+                  <a:txBody>
+                    <a:bodyPr/>
+                    <a:lstStyle/>
+                    <a:p>
+                      <a:pPr algn="ctr"/>
+                      <a:r>
+                        <a:rPr lang="he-IL" sz="1100" b="1" kern="1200" dirty="0">
+                          <a:solidFill>
+                            <a:schemeClr val="dk1"/>
+                          </a:solidFill>
+                        </a:rPr>
+                        <a:t>אין</a:t>
+                      </a:r>
+                      <a:endParaRPr lang="he-IL" sz="1100" b="1" kern="1200" dirty="0">
+                        <a:solidFill>
+                          <a:schemeClr val="dk1"/>
+                        </a:solidFill>
+                        <a:latin typeface="+mn-lt"/>
+                        <a:ea typeface="+mn-ea"/>
+                        <a:cs typeface="+mn-cs"/>
+                      </a:endParaRPr>
+                    </a:p>
+                  </a:txBody>
+                  <a:tcPr anchor="ctr"/>
+                </a:tc>
+                <a:tc>
+                  <a:txBody>
+                    <a:bodyPr/>
+                    <a:lstStyle/>
+                    <a:p>
+                      <a:pPr algn="ctr"/>
+                      <a:r>
+                        <a:rPr lang="en-US" sz="1100" b="1" kern="1200" dirty="0" err="1">
+                          <a:solidFill>
+                            <a:schemeClr val="dk1"/>
+                          </a:solidFill>
                         </a:rPr>
                         <a:t>NavBar</a:t>
                       </a:r>
-                      <a:endParaRPr lang="en-US" sz="1400" dirty="0">
-                        <a:effectLst/>
-                      </a:endParaRPr>
-                    </a:p>
-                  </a:txBody>
-                  <a:tcPr marL="19050" marR="19050" marT="12700" marB="12700" anchor="b"/>
-                </a:tc>
-                <a:tc>
-                  <a:txBody>
-                    <a:bodyPr/>
-                    <a:lstStyle/>
-                    <a:p>
-                      <a:pPr algn="ctr" rtl="0" fontAlgn="b"/>
-                      <a:endParaRPr lang="he-IL" sz="1400" dirty="0">
-                        <a:effectLst/>
-                      </a:endParaRPr>
-                    </a:p>
-                  </a:txBody>
-                  <a:tcPr marL="19050" marR="19050" marT="12700" marB="12700" anchor="b"/>
+                      <a:endParaRPr lang="en-US" sz="1100" b="1" kern="1200" dirty="0">
+                        <a:solidFill>
+                          <a:schemeClr val="dk1"/>
+                        </a:solidFill>
+                        <a:latin typeface="+mn-lt"/>
+                        <a:ea typeface="+mn-ea"/>
+                        <a:cs typeface="+mn-cs"/>
+                      </a:endParaRPr>
+                    </a:p>
+                  </a:txBody>
+                  <a:tcPr anchor="ctr"/>
+                </a:tc>
+                <a:tc>
+                  <a:txBody>
+                    <a:bodyPr/>
+                    <a:lstStyle/>
+                    <a:p>
+                      <a:pPr algn="ctr"/>
+                      <a:r>
+                        <a:rPr lang="he-IL" sz="1100" b="1" kern="1200" dirty="0">
+                          <a:solidFill>
+                            <a:schemeClr val="dk1"/>
+                          </a:solidFill>
+                        </a:rPr>
+                        <a:t>אין</a:t>
+                      </a:r>
+                      <a:endParaRPr lang="he-IL" sz="1100" b="1" kern="1200" dirty="0">
+                        <a:solidFill>
+                          <a:schemeClr val="dk1"/>
+                        </a:solidFill>
+                        <a:latin typeface="+mn-lt"/>
+                        <a:ea typeface="+mn-ea"/>
+                        <a:cs typeface="+mn-cs"/>
+                      </a:endParaRPr>
+                    </a:p>
+                  </a:txBody>
+                  <a:tcPr anchor="ctr"/>
                 </a:tc>
                 <a:extLst>
                   <a:ext uri="{0D108BD9-81ED-4DB2-BD59-A6C34878D82A}">
@@ -5784,11 +6627,21 @@
                     <a:p>
                       <a:pPr algn="ctr" rtl="0" fontAlgn="b"/>
                       <a:r>
-                        <a:rPr lang="en-US" sz="1400" dirty="0">
-                          <a:effectLst/>
+                        <a:rPr lang="en-US" sz="1100" b="1" kern="1200" dirty="0">
+                          <a:solidFill>
+                            <a:schemeClr val="dk1"/>
+                          </a:solidFill>
                         </a:rPr>
                         <a:t>Error</a:t>
                       </a:r>
+                      <a:endParaRPr lang="en-US" sz="1100" b="1" kern="1200" dirty="0">
+                        <a:solidFill>
+                          <a:schemeClr val="dk1"/>
+                        </a:solidFill>
+                        <a:latin typeface="+mn-lt"/>
+                        <a:ea typeface="+mn-ea"/>
+                        <a:cs typeface="+mn-cs"/>
+                      </a:endParaRPr>
                     </a:p>
                   </a:txBody>
                   <a:tcPr marL="19050" marR="19050" marT="12700" marB="12700" anchor="b"/>
@@ -5800,11 +6653,21 @@
                     <a:p>
                       <a:pPr algn="ctr" rtl="0" fontAlgn="b"/>
                       <a:r>
-                        <a:rPr lang="he-IL" sz="1400">
-                          <a:effectLst/>
+                        <a:rPr lang="he-IL" sz="1100" b="1" kern="1200" dirty="0">
+                          <a:solidFill>
+                            <a:schemeClr val="dk1"/>
+                          </a:solidFill>
                         </a:rPr>
                         <a:t>מציגה הודעות שגיאה</a:t>
                       </a:r>
+                      <a:endParaRPr lang="he-IL" sz="1100" b="1" kern="1200" dirty="0">
+                        <a:solidFill>
+                          <a:schemeClr val="dk1"/>
+                        </a:solidFill>
+                        <a:latin typeface="+mn-lt"/>
+                        <a:ea typeface="+mn-ea"/>
+                        <a:cs typeface="+mn-cs"/>
+                      </a:endParaRPr>
                     </a:p>
                   </a:txBody>
                   <a:tcPr marL="19050" marR="19050" marT="12700" marB="12700" anchor="b"/>
@@ -5816,11 +6679,21 @@
                     <a:p>
                       <a:pPr algn="ctr" rtl="0" fontAlgn="b"/>
                       <a:r>
-                        <a:rPr lang="en-US" sz="1400" dirty="0">
-                          <a:effectLst/>
-                        </a:rPr>
-                        <a:t>message: string  </a:t>
-                      </a:r>
+                        <a:rPr lang="en-US" sz="1100" b="1" kern="1200" dirty="0">
+                          <a:solidFill>
+                            <a:schemeClr val="dk1"/>
+                          </a:solidFill>
+                        </a:rPr>
+                        <a:t>message: string</a:t>
+                      </a:r>
+                      <a:endParaRPr lang="en-US" sz="1100" b="1" kern="1200" dirty="0">
+                        <a:solidFill>
+                          <a:schemeClr val="dk1"/>
+                        </a:solidFill>
+                        <a:latin typeface="+mn-lt"/>
+                        <a:ea typeface="+mn-ea"/>
+                        <a:cs typeface="+mn-cs"/>
+                      </a:endParaRPr>
                     </a:p>
                   </a:txBody>
                   <a:tcPr marL="19050" marR="19050" marT="12700" marB="12700" anchor="b"/>
@@ -5831,8 +6704,13 @@
                     <a:lstStyle/>
                     <a:p>
                       <a:pPr algn="ctr" rtl="0" fontAlgn="b"/>
-                      <a:endParaRPr lang="he-IL" sz="1400" dirty="0">
-                        <a:effectLst/>
+                      <a:endParaRPr lang="he-IL" sz="1100" b="1" kern="1200" dirty="0">
+                        <a:solidFill>
+                          <a:schemeClr val="dk1"/>
+                        </a:solidFill>
+                        <a:latin typeface="+mn-lt"/>
+                        <a:ea typeface="+mn-ea"/>
+                        <a:cs typeface="+mn-cs"/>
                       </a:endParaRPr>
                     </a:p>
                   </a:txBody>
@@ -5845,13 +6723,20 @@
                     <a:p>
                       <a:pPr algn="ctr" rtl="0" fontAlgn="b"/>
                       <a:r>
-                        <a:rPr lang="en-US" sz="1400" dirty="0" err="1">
-                          <a:effectLst/>
+                        <a:rPr lang="en-US" sz="1100" b="1" kern="1200" dirty="0" err="1">
+                          <a:solidFill>
+                            <a:schemeClr val="dk1"/>
+                          </a:solidFill>
                         </a:rPr>
                         <a:t>AddRecipe</a:t>
                       </a:r>
-                      <a:endParaRPr lang="en-US" sz="1400" dirty="0">
-                        <a:effectLst/>
+                      <a:endParaRPr lang="en-US" sz="1100" b="1" kern="1200" dirty="0">
+                        <a:solidFill>
+                          <a:schemeClr val="dk1"/>
+                        </a:solidFill>
+                        <a:latin typeface="+mn-lt"/>
+                        <a:ea typeface="+mn-ea"/>
+                        <a:cs typeface="+mn-cs"/>
                       </a:endParaRPr>
                     </a:p>
                   </a:txBody>
@@ -5863,8 +6748,13 @@
                     <a:lstStyle/>
                     <a:p>
                       <a:pPr algn="ctr" rtl="0" fontAlgn="b"/>
-                      <a:endParaRPr lang="he-IL" sz="1400">
-                        <a:effectLst/>
+                      <a:endParaRPr lang="he-IL" sz="1100" b="1" kern="1200">
+                        <a:solidFill>
+                          <a:schemeClr val="dk1"/>
+                        </a:solidFill>
+                        <a:latin typeface="+mn-lt"/>
+                        <a:ea typeface="+mn-ea"/>
+                        <a:cs typeface="+mn-cs"/>
                       </a:endParaRPr>
                     </a:p>
                   </a:txBody>
@@ -5882,99 +6772,156 @@
                     <a:bodyPr/>
                     <a:lstStyle/>
                     <a:p>
-                      <a:pPr algn="ctr" rtl="0" fontAlgn="b"/>
-                      <a:r>
-                        <a:rPr lang="en-US" sz="1400" dirty="0" err="1">
-                          <a:effectLst/>
+                      <a:pPr algn="ctr"/>
+                      <a:r>
+                        <a:rPr lang="en-US" sz="1100" b="1" kern="1200" dirty="0" err="1">
+                          <a:solidFill>
+                            <a:schemeClr val="dk1"/>
+                          </a:solidFill>
                         </a:rPr>
                         <a:t>UpdateUser</a:t>
                       </a:r>
-                      <a:endParaRPr lang="en-US" sz="1400" dirty="0">
-                        <a:effectLst/>
-                      </a:endParaRPr>
-                    </a:p>
-                  </a:txBody>
-                  <a:tcPr marL="19050" marR="19050" marT="12700" marB="12700" anchor="b"/>
-                </a:tc>
-                <a:tc>
-                  <a:txBody>
-                    <a:bodyPr/>
-                    <a:lstStyle/>
-                    <a:p>
-                      <a:pPr algn="ctr" rtl="0" fontAlgn="b"/>
-                      <a:r>
-                        <a:rPr lang="he-IL" sz="1400" dirty="0">
-                          <a:effectLst/>
-                        </a:rPr>
-                        <a:t>מספקת ממשק לעדכון פרטי המשתמש</a:t>
-                      </a:r>
-                    </a:p>
-                  </a:txBody>
-                  <a:tcPr marL="19050" marR="19050" marT="12700" marB="12700" anchor="b"/>
-                </a:tc>
-                <a:tc>
-                  <a:txBody>
-                    <a:bodyPr/>
-                    <a:lstStyle/>
-                    <a:p>
-                      <a:pPr algn="ctr" rtl="0" fontAlgn="b"/>
-                      <a:endParaRPr lang="he-IL" sz="1400" dirty="0">
-                        <a:effectLst/>
-                      </a:endParaRPr>
-                    </a:p>
-                  </a:txBody>
-                  <a:tcPr marL="19050" marR="19050" marT="12700" marB="12700" anchor="b"/>
-                </a:tc>
-                <a:tc>
-                  <a:txBody>
-                    <a:bodyPr/>
-                    <a:lstStyle/>
-                    <a:p>
-                      <a:pPr algn="ctr" rtl="0" fontAlgn="b"/>
-                      <a:r>
-                        <a:rPr lang="en-US" sz="1400" dirty="0" err="1">
-                          <a:effectLst/>
-                        </a:rPr>
-                        <a:t>userContext</a:t>
-                      </a:r>
-                      <a:endParaRPr lang="en-US" sz="1400" dirty="0">
-                        <a:effectLst/>
-                      </a:endParaRPr>
-                    </a:p>
-                  </a:txBody>
-                  <a:tcPr marL="19050" marR="19050" marT="12700" marB="12700" anchor="b"/>
-                </a:tc>
-                <a:tc>
-                  <a:txBody>
-                    <a:bodyPr/>
-                    <a:lstStyle/>
-                    <a:p>
-                      <a:pPr algn="ctr" rtl="0" fontAlgn="b"/>
-                      <a:r>
-                        <a:rPr lang="en-US" sz="1400" dirty="0" err="1">
-                          <a:effectLst/>
+                      <a:endParaRPr lang="en-US" sz="1100" b="1" kern="1200" dirty="0">
+                        <a:solidFill>
+                          <a:schemeClr val="dk1"/>
+                        </a:solidFill>
+                        <a:latin typeface="+mn-lt"/>
+                        <a:ea typeface="+mn-ea"/>
+                        <a:cs typeface="+mn-cs"/>
+                      </a:endParaRPr>
+                    </a:p>
+                  </a:txBody>
+                  <a:tcPr anchor="ctr"/>
+                </a:tc>
+                <a:tc>
+                  <a:txBody>
+                    <a:bodyPr/>
+                    <a:lstStyle/>
+                    <a:p>
+                      <a:pPr algn="ctr"/>
+                      <a:r>
+                        <a:rPr lang="he-IL" sz="1100" b="1" kern="1200">
+                          <a:solidFill>
+                            <a:schemeClr val="dk1"/>
+                          </a:solidFill>
+                        </a:rPr>
+                        <a:t>עדכון פרטי משתמש</a:t>
+                      </a:r>
+                      <a:endParaRPr lang="he-IL" sz="1100" b="1" kern="1200">
+                        <a:solidFill>
+                          <a:schemeClr val="dk1"/>
+                        </a:solidFill>
+                        <a:latin typeface="+mn-lt"/>
+                        <a:ea typeface="+mn-ea"/>
+                        <a:cs typeface="+mn-cs"/>
+                      </a:endParaRPr>
+                    </a:p>
+                  </a:txBody>
+                  <a:tcPr anchor="ctr"/>
+                </a:tc>
+                <a:tc>
+                  <a:txBody>
+                    <a:bodyPr/>
+                    <a:lstStyle/>
+                    <a:p>
+                      <a:pPr algn="ctr"/>
+                      <a:r>
+                        <a:rPr lang="en-US" sz="1100" b="1" kern="1200" dirty="0" err="1">
+                          <a:solidFill>
+                            <a:schemeClr val="dk1"/>
+                          </a:solidFill>
+                        </a:rPr>
+                        <a:t>setClose</a:t>
+                      </a:r>
+                      <a:endParaRPr lang="he-IL" sz="1100" b="1" kern="1200" dirty="0">
+                        <a:solidFill>
+                          <a:schemeClr val="dk1"/>
+                        </a:solidFill>
+                        <a:latin typeface="+mn-lt"/>
+                        <a:ea typeface="+mn-ea"/>
+                        <a:cs typeface="+mn-cs"/>
+                      </a:endParaRPr>
+                    </a:p>
+                  </a:txBody>
+                  <a:tcPr anchor="ctr"/>
+                </a:tc>
+                <a:tc>
+                  <a:txBody>
+                    <a:bodyPr/>
+                    <a:lstStyle/>
+                    <a:p>
+                      <a:pPr algn="ctr"/>
+                      <a:r>
+                        <a:rPr lang="en-US" sz="1100" b="1" kern="1200" dirty="0" err="1">
+                          <a:solidFill>
+                            <a:schemeClr val="dk1"/>
+                          </a:solidFill>
+                        </a:rPr>
+                        <a:t>UserContext</a:t>
+                      </a:r>
+                      <a:endParaRPr lang="en-US" sz="1100" b="1" kern="1200" dirty="0">
+                        <a:solidFill>
+                          <a:schemeClr val="dk1"/>
+                        </a:solidFill>
+                        <a:latin typeface="+mn-lt"/>
+                        <a:ea typeface="+mn-ea"/>
+                        <a:cs typeface="+mn-cs"/>
+                      </a:endParaRPr>
+                    </a:p>
+                  </a:txBody>
+                  <a:tcPr anchor="ctr"/>
+                </a:tc>
+                <a:tc>
+                  <a:txBody>
+                    <a:bodyPr/>
+                    <a:lstStyle/>
+                    <a:p>
+                      <a:pPr algn="ctr"/>
+                      <a:r>
+                        <a:rPr lang="en-US" sz="1100" b="1" kern="1200" dirty="0" err="1">
+                          <a:solidFill>
+                            <a:schemeClr val="dk1"/>
+                          </a:solidFill>
                         </a:rPr>
                         <a:t>LoggedIn</a:t>
                       </a:r>
-                      <a:endParaRPr lang="en-US" sz="1400" dirty="0">
-                        <a:effectLst/>
-                      </a:endParaRPr>
-                    </a:p>
-                  </a:txBody>
-                  <a:tcPr marL="19050" marR="19050" marT="12700" marB="12700" anchor="b"/>
-                </a:tc>
-                <a:tc>
-                  <a:txBody>
-                    <a:bodyPr/>
-                    <a:lstStyle/>
-                    <a:p>
-                      <a:pPr algn="ctr" rtl="0" fontAlgn="b"/>
-                      <a:endParaRPr lang="he-IL" sz="1400" dirty="0">
-                        <a:effectLst/>
-                      </a:endParaRPr>
-                    </a:p>
-                  </a:txBody>
-                  <a:tcPr marL="19050" marR="19050" marT="12700" marB="12700" anchor="b"/>
+                      <a:endParaRPr lang="en-US" sz="1100" b="1" kern="1200" dirty="0">
+                        <a:solidFill>
+                          <a:schemeClr val="dk1"/>
+                        </a:solidFill>
+                        <a:latin typeface="+mn-lt"/>
+                        <a:ea typeface="+mn-ea"/>
+                        <a:cs typeface="+mn-cs"/>
+                      </a:endParaRPr>
+                    </a:p>
+                  </a:txBody>
+                  <a:tcPr anchor="ctr"/>
+                </a:tc>
+                <a:tc>
+                  <a:txBody>
+                    <a:bodyPr/>
+                    <a:lstStyle/>
+                    <a:p>
+                      <a:pPr algn="ctr"/>
+                      <a:r>
+                        <a:rPr lang="he-IL" sz="1100" b="1" kern="1200" dirty="0">
+                          <a:solidFill>
+                            <a:schemeClr val="dk1"/>
+                          </a:solidFill>
+                        </a:rPr>
+                        <a:t>אין</a:t>
+                      </a:r>
+                      <a:endParaRPr lang="he-IL" sz="1100" b="1" kern="1200" dirty="0">
+                        <a:solidFill>
+                          <a:schemeClr val="dk1"/>
+                        </a:solidFill>
+                        <a:latin typeface="+mn-lt"/>
+                        <a:ea typeface="+mn-ea"/>
+                        <a:cs typeface="+mn-cs"/>
+                      </a:endParaRPr>
+                    </a:p>
+                  </a:txBody>
+                  <a:tcPr anchor="ctr"/>
                 </a:tc>
                 <a:extLst>
                   <a:ext uri="{0D108BD9-81ED-4DB2-BD59-A6C34878D82A}">
@@ -5988,102 +6935,156 @@
                     <a:bodyPr/>
                     <a:lstStyle/>
                     <a:p>
-                      <a:pPr algn="ctr" rtl="0" fontAlgn="b"/>
-                      <a:r>
-                        <a:rPr lang="en-US" sz="1400">
-                          <a:effectLst/>
+                      <a:pPr algn="ctr"/>
+                      <a:r>
+                        <a:rPr lang="en-US" sz="1100" b="1" kern="1200" dirty="0" err="1">
+                          <a:solidFill>
+                            <a:schemeClr val="dk1"/>
+                          </a:solidFill>
                         </a:rPr>
                         <a:t>LoggedIn</a:t>
                       </a:r>
-                    </a:p>
-                  </a:txBody>
-                  <a:tcPr marL="19050" marR="19050" marT="12700" marB="12700" anchor="b"/>
-                </a:tc>
-                <a:tc>
-                  <a:txBody>
-                    <a:bodyPr/>
-                    <a:lstStyle/>
-                    <a:p>
-                      <a:pPr algn="ctr" rtl="0" fontAlgn="b"/>
-                      <a:r>
-                        <a:rPr lang="he-IL" sz="1400">
-                          <a:effectLst/>
-                        </a:rPr>
-                        <a:t>מציגה את פרטי המשתמש המחובר ומאפשרת עדכון</a:t>
-                      </a:r>
-                    </a:p>
-                  </a:txBody>
-                  <a:tcPr marL="19050" marR="19050" marT="12700" marB="12700" anchor="b"/>
-                </a:tc>
-                <a:tc>
-                  <a:txBody>
-                    <a:bodyPr/>
-                    <a:lstStyle/>
-                    <a:p>
-                      <a:pPr algn="ctr" rtl="0" fontAlgn="b"/>
-                      <a:endParaRPr lang="he-IL" sz="1400" dirty="0">
-                        <a:effectLst/>
-                      </a:endParaRPr>
-                    </a:p>
-                  </a:txBody>
-                  <a:tcPr marL="19050" marR="19050" marT="12700" marB="12700" anchor="b"/>
-                </a:tc>
-                <a:tc>
-                  <a:txBody>
-                    <a:bodyPr/>
-                    <a:lstStyle/>
-                    <a:p>
-                      <a:pPr algn="ctr" rtl="0" fontAlgn="b"/>
-                      <a:r>
-                        <a:rPr lang="en-US" sz="1400" dirty="0" err="1">
-                          <a:effectLst/>
-                        </a:rPr>
-                        <a:t>userContext</a:t>
-                      </a:r>
-                      <a:endParaRPr lang="en-US" sz="1400" dirty="0">
-                        <a:effectLst/>
-                      </a:endParaRPr>
-                    </a:p>
-                  </a:txBody>
-                  <a:tcPr marL="19050" marR="19050" marT="12700" marB="12700" anchor="b"/>
-                </a:tc>
-                <a:tc>
-                  <a:txBody>
-                    <a:bodyPr/>
-                    <a:lstStyle/>
-                    <a:p>
-                      <a:pPr algn="ctr" rtl="0" fontAlgn="b"/>
-                      <a:r>
-                        <a:rPr lang="en-US" sz="1400" dirty="0">
-                          <a:effectLst/>
+                      <a:endParaRPr lang="en-US" sz="1100" b="1" kern="1200" dirty="0">
+                        <a:solidFill>
+                          <a:schemeClr val="dk1"/>
+                        </a:solidFill>
+                        <a:latin typeface="+mn-lt"/>
+                        <a:ea typeface="+mn-ea"/>
+                        <a:cs typeface="+mn-cs"/>
+                      </a:endParaRPr>
+                    </a:p>
+                  </a:txBody>
+                  <a:tcPr anchor="ctr"/>
+                </a:tc>
+                <a:tc>
+                  <a:txBody>
+                    <a:bodyPr/>
+                    <a:lstStyle/>
+                    <a:p>
+                      <a:pPr algn="ctr"/>
+                      <a:r>
+                        <a:rPr lang="he-IL" sz="1100" b="1" kern="1200">
+                          <a:solidFill>
+                            <a:schemeClr val="dk1"/>
+                          </a:solidFill>
+                        </a:rPr>
+                        <a:t>תצוגת פרטי משתמש מחובר</a:t>
+                      </a:r>
+                      <a:endParaRPr lang="he-IL" sz="1100" b="1" kern="1200">
+                        <a:solidFill>
+                          <a:schemeClr val="dk1"/>
+                        </a:solidFill>
+                        <a:latin typeface="+mn-lt"/>
+                        <a:ea typeface="+mn-ea"/>
+                        <a:cs typeface="+mn-cs"/>
+                      </a:endParaRPr>
+                    </a:p>
+                  </a:txBody>
+                  <a:tcPr anchor="ctr"/>
+                </a:tc>
+                <a:tc>
+                  <a:txBody>
+                    <a:bodyPr/>
+                    <a:lstStyle/>
+                    <a:p>
+                      <a:pPr algn="ctr"/>
+                      <a:r>
+                        <a:rPr lang="he-IL" sz="1100" b="1" kern="1200">
+                          <a:solidFill>
+                            <a:schemeClr val="dk1"/>
+                          </a:solidFill>
+                        </a:rPr>
+                        <a:t>אין</a:t>
+                      </a:r>
+                      <a:endParaRPr lang="he-IL" sz="1100" b="1" kern="1200">
+                        <a:solidFill>
+                          <a:schemeClr val="dk1"/>
+                        </a:solidFill>
+                        <a:latin typeface="+mn-lt"/>
+                        <a:ea typeface="+mn-ea"/>
+                        <a:cs typeface="+mn-cs"/>
+                      </a:endParaRPr>
+                    </a:p>
+                  </a:txBody>
+                  <a:tcPr anchor="ctr"/>
+                </a:tc>
+                <a:tc>
+                  <a:txBody>
+                    <a:bodyPr/>
+                    <a:lstStyle/>
+                    <a:p>
+                      <a:pPr algn="ctr"/>
+                      <a:r>
+                        <a:rPr lang="en-US" sz="1100" b="1" kern="1200" dirty="0" err="1">
+                          <a:solidFill>
+                            <a:schemeClr val="dk1"/>
+                          </a:solidFill>
+                        </a:rPr>
+                        <a:t>UserContext</a:t>
+                      </a:r>
+                      <a:endParaRPr lang="en-US" sz="1100" b="1" kern="1200" dirty="0">
+                        <a:solidFill>
+                          <a:schemeClr val="dk1"/>
+                        </a:solidFill>
+                        <a:latin typeface="+mn-lt"/>
+                        <a:ea typeface="+mn-ea"/>
+                        <a:cs typeface="+mn-cs"/>
+                      </a:endParaRPr>
+                    </a:p>
+                  </a:txBody>
+                  <a:tcPr anchor="ctr"/>
+                </a:tc>
+                <a:tc>
+                  <a:txBody>
+                    <a:bodyPr/>
+                    <a:lstStyle/>
+                    <a:p>
+                      <a:pPr algn="ctr"/>
+                      <a:r>
+                        <a:rPr lang="en-US" sz="1100" b="1" kern="1200" dirty="0">
+                          <a:solidFill>
+                            <a:schemeClr val="dk1"/>
+                          </a:solidFill>
                         </a:rPr>
                         <a:t>Login</a:t>
                       </a:r>
-                      <a:endParaRPr lang="he-IL" sz="1400" dirty="0">
-                        <a:effectLst/>
-                      </a:endParaRPr>
-                    </a:p>
-                  </a:txBody>
-                  <a:tcPr marL="19050" marR="19050" marT="12700" marB="12700" anchor="b"/>
-                </a:tc>
-                <a:tc>
-                  <a:txBody>
-                    <a:bodyPr/>
-                    <a:lstStyle/>
-                    <a:p>
-                      <a:pPr algn="ctr" rtl="0" fontAlgn="b"/>
-                      <a:r>
-                        <a:rPr lang="en-US" sz="1400" dirty="0" err="1">
-                          <a:effectLst/>
+                      <a:endParaRPr lang="en-US" sz="1100" b="1" kern="1200" dirty="0">
+                        <a:solidFill>
+                          <a:schemeClr val="dk1"/>
+                        </a:solidFill>
+                        <a:latin typeface="+mn-lt"/>
+                        <a:ea typeface="+mn-ea"/>
+                        <a:cs typeface="+mn-cs"/>
+                      </a:endParaRPr>
+                    </a:p>
+                  </a:txBody>
+                  <a:tcPr anchor="ctr"/>
+                </a:tc>
+                <a:tc>
+                  <a:txBody>
+                    <a:bodyPr/>
+                    <a:lstStyle/>
+                    <a:p>
+                      <a:pPr algn="ctr"/>
+                      <a:r>
+                        <a:rPr lang="en-US" sz="1100" b="1" kern="1200" dirty="0" err="1">
+                          <a:solidFill>
+                            <a:schemeClr val="dk1"/>
+                          </a:solidFill>
                         </a:rPr>
                         <a:t>UpdateUser</a:t>
                       </a:r>
-                      <a:endParaRPr lang="he-IL" sz="1400" dirty="0">
-                        <a:effectLst/>
-                      </a:endParaRPr>
-                    </a:p>
-                  </a:txBody>
-                  <a:tcPr marL="19050" marR="19050" marT="12700" marB="12700" anchor="b"/>
+                      <a:endParaRPr lang="he-IL" sz="1100" b="1" kern="1200" dirty="0">
+                        <a:solidFill>
+                          <a:schemeClr val="dk1"/>
+                        </a:solidFill>
+                        <a:latin typeface="+mn-lt"/>
+                        <a:ea typeface="+mn-ea"/>
+                        <a:cs typeface="+mn-cs"/>
+                      </a:endParaRPr>
+                    </a:p>
+                  </a:txBody>
+                  <a:tcPr anchor="ctr"/>
                 </a:tc>
                 <a:extLst>
                   <a:ext uri="{0D108BD9-81ED-4DB2-BD59-A6C34878D82A}">
@@ -6091,105 +7092,162 @@
                   </a:ext>
                 </a:extLst>
               </a:tr>
-              <a:tr h="347185">
-                <a:tc>
-                  <a:txBody>
-                    <a:bodyPr/>
-                    <a:lstStyle/>
-                    <a:p>
-                      <a:pPr algn="ctr" rtl="1"/>
-                      <a:r>
-                        <a:rPr lang="en-US" sz="1400" dirty="0"/>
+              <a:tr h="624942">
+                <a:tc>
+                  <a:txBody>
+                    <a:bodyPr/>
+                    <a:lstStyle/>
+                    <a:p>
+                      <a:pPr algn="ctr"/>
+                      <a:r>
+                        <a:rPr lang="en-US" sz="1100" b="1" kern="1200" dirty="0">
+                          <a:solidFill>
+                            <a:schemeClr val="dk1"/>
+                          </a:solidFill>
+                        </a:rPr>
                         <a:t>Router</a:t>
                       </a:r>
-                      <a:endParaRPr lang="he-IL" sz="1400" dirty="0"/>
-                    </a:p>
-                  </a:txBody>
-                  <a:tcPr/>
-                </a:tc>
-                <a:tc>
-                  <a:txBody>
-                    <a:bodyPr/>
-                    <a:lstStyle/>
-                    <a:p>
-                      <a:pPr algn="ctr" rtl="1">
-                        <a:lnSpc>
-                          <a:spcPct val="107000"/>
-                        </a:lnSpc>
-                        <a:spcAft>
-                          <a:spcPts val="800"/>
-                        </a:spcAft>
-                      </a:pPr>
-                      <a:r>
-                        <a:rPr lang="he-IL" sz="1400" kern="100" dirty="0">
-                          <a:effectLst/>
-                          <a:latin typeface="Calibri" panose="020F0502020204030204" pitchFamily="34" charset="0"/>
-                          <a:ea typeface="Calibri" panose="020F0502020204030204" pitchFamily="34" charset="0"/>
-                          <a:cs typeface="Arial" panose="020B0604020202020204" pitchFamily="34" charset="0"/>
-                        </a:rPr>
-                        <a:t>הגדרת הניתובים</a:t>
-                      </a:r>
-                      <a:endParaRPr lang="en-US" sz="1400" kern="100" dirty="0">
-                        <a:effectLst/>
-                        <a:latin typeface="Calibri" panose="020F0502020204030204" pitchFamily="34" charset="0"/>
-                        <a:ea typeface="Calibri" panose="020F0502020204030204" pitchFamily="34" charset="0"/>
-                        <a:cs typeface="Arial" panose="020B0604020202020204" pitchFamily="34" charset="0"/>
-                      </a:endParaRPr>
-                    </a:p>
-                  </a:txBody>
-                  <a:tcPr marL="68580" marR="68580" marT="0" marB="0"/>
-                </a:tc>
-                <a:tc>
-                  <a:txBody>
-                    <a:bodyPr/>
-                    <a:lstStyle/>
-                    <a:p>
-                      <a:pPr algn="ctr" rtl="1"/>
-                      <a:endParaRPr lang="he-IL" sz="1400"/>
-                    </a:p>
-                  </a:txBody>
-                  <a:tcPr/>
-                </a:tc>
-                <a:tc>
-                  <a:txBody>
-                    <a:bodyPr/>
-                    <a:lstStyle/>
-                    <a:p>
-                      <a:pPr algn="ctr" rtl="1"/>
-                      <a:endParaRPr lang="he-IL" sz="1400" dirty="0"/>
-                    </a:p>
-                  </a:txBody>
-                  <a:tcPr/>
-                </a:tc>
-                <a:tc>
-                  <a:txBody>
-                    <a:bodyPr/>
-                    <a:lstStyle/>
-                    <a:p>
-                      <a:pPr algn="ctr" rtl="1"/>
-                      <a:r>
-                        <a:rPr lang="en-US" sz="1400" dirty="0"/>
-                        <a:t>App</a:t>
-                      </a:r>
-                      <a:endParaRPr lang="he-IL" sz="1400" dirty="0"/>
-                    </a:p>
-                  </a:txBody>
-                  <a:tcPr/>
-                </a:tc>
-                <a:tc>
-                  <a:txBody>
-                    <a:bodyPr/>
-                    <a:lstStyle/>
-                    <a:p>
-                      <a:pPr algn="ctr" rtl="1"/>
-                      <a:r>
-                        <a:rPr lang="en-US" sz="1400" dirty="0" err="1"/>
+                      <a:endParaRPr lang="en-US" sz="1100" b="1" kern="1200" dirty="0">
+                        <a:solidFill>
+                          <a:schemeClr val="dk1"/>
+                        </a:solidFill>
+                        <a:latin typeface="+mn-lt"/>
+                        <a:ea typeface="+mn-ea"/>
+                        <a:cs typeface="+mn-cs"/>
+                      </a:endParaRPr>
+                    </a:p>
+                  </a:txBody>
+                  <a:tcPr anchor="ctr"/>
+                </a:tc>
+                <a:tc>
+                  <a:txBody>
+                    <a:bodyPr/>
+                    <a:lstStyle/>
+                    <a:p>
+                      <a:pPr algn="ctr"/>
+                      <a:r>
+                        <a:rPr lang="he-IL" sz="1100" b="1" kern="1200" dirty="0">
+                          <a:solidFill>
+                            <a:schemeClr val="dk1"/>
+                          </a:solidFill>
+                        </a:rPr>
+                        <a:t>ניתוב דפים באפליקציה</a:t>
+                      </a:r>
+                      <a:endParaRPr lang="he-IL" sz="1100" b="1" kern="1200" dirty="0">
+                        <a:solidFill>
+                          <a:schemeClr val="dk1"/>
+                        </a:solidFill>
+                        <a:latin typeface="+mn-lt"/>
+                        <a:ea typeface="+mn-ea"/>
+                        <a:cs typeface="+mn-cs"/>
+                      </a:endParaRPr>
+                    </a:p>
+                  </a:txBody>
+                  <a:tcPr anchor="ctr"/>
+                </a:tc>
+                <a:tc>
+                  <a:txBody>
+                    <a:bodyPr/>
+                    <a:lstStyle/>
+                    <a:p>
+                      <a:pPr algn="ctr"/>
+                      <a:r>
+                        <a:rPr lang="he-IL" sz="1100" b="1" kern="1200" dirty="0">
+                          <a:solidFill>
+                            <a:schemeClr val="dk1"/>
+                          </a:solidFill>
+                        </a:rPr>
+                        <a:t>אין</a:t>
+                      </a:r>
+                      <a:endParaRPr lang="he-IL" sz="1100" b="1" kern="1200" dirty="0">
+                        <a:solidFill>
+                          <a:schemeClr val="dk1"/>
+                        </a:solidFill>
+                        <a:latin typeface="+mn-lt"/>
+                        <a:ea typeface="+mn-ea"/>
+                        <a:cs typeface="+mn-cs"/>
+                      </a:endParaRPr>
+                    </a:p>
+                  </a:txBody>
+                  <a:tcPr anchor="ctr"/>
+                </a:tc>
+                <a:tc>
+                  <a:txBody>
+                    <a:bodyPr/>
+                    <a:lstStyle/>
+                    <a:p>
+                      <a:pPr algn="ctr"/>
+                      <a:r>
+                        <a:rPr lang="he-IL" sz="1100" b="1" kern="1200">
+                          <a:solidFill>
+                            <a:schemeClr val="dk1"/>
+                          </a:solidFill>
+                        </a:rPr>
+                        <a:t>אין</a:t>
+                      </a:r>
+                      <a:endParaRPr lang="he-IL" sz="1100" b="1" kern="1200">
+                        <a:solidFill>
+                          <a:schemeClr val="dk1"/>
+                        </a:solidFill>
+                        <a:latin typeface="+mn-lt"/>
+                        <a:ea typeface="+mn-ea"/>
+                        <a:cs typeface="+mn-cs"/>
+                      </a:endParaRPr>
+                    </a:p>
+                  </a:txBody>
+                  <a:tcPr anchor="ctr"/>
+                </a:tc>
+                <a:tc>
+                  <a:txBody>
+                    <a:bodyPr/>
+                    <a:lstStyle/>
+                    <a:p>
+                      <a:pPr algn="ctr"/>
+                      <a:r>
+                        <a:rPr lang="en-US" sz="1100" b="1" kern="1200" dirty="0">
+                          <a:solidFill>
+                            <a:schemeClr val="dk1"/>
+                          </a:solidFill>
+                        </a:rPr>
+                        <a:t>Redux Provider</a:t>
+                      </a:r>
+                      <a:endParaRPr lang="en-US" sz="1100" b="1" kern="1200" dirty="0">
+                        <a:solidFill>
+                          <a:schemeClr val="dk1"/>
+                        </a:solidFill>
+                        <a:latin typeface="+mn-lt"/>
+                        <a:ea typeface="+mn-ea"/>
+                        <a:cs typeface="+mn-cs"/>
+                      </a:endParaRPr>
+                    </a:p>
+                  </a:txBody>
+                  <a:tcPr anchor="ctr"/>
+                </a:tc>
+                <a:tc>
+                  <a:txBody>
+                    <a:bodyPr/>
+                    <a:lstStyle/>
+                    <a:p>
+                      <a:pPr algn="ctr"/>
+                      <a:r>
+                        <a:rPr lang="en-US" sz="1100" b="1" kern="1200" dirty="0" err="1">
+                          <a:solidFill>
+                            <a:schemeClr val="dk1"/>
+                          </a:solidFill>
+                        </a:rPr>
                         <a:t>AppLayout</a:t>
                       </a:r>
-                      <a:endParaRPr lang="he-IL" sz="1400" dirty="0"/>
-                    </a:p>
-                  </a:txBody>
-                  <a:tcPr/>
+                      <a:endParaRPr lang="en-US" sz="1100" b="1" kern="1200" dirty="0">
+                        <a:solidFill>
+                          <a:schemeClr val="dk1"/>
+                        </a:solidFill>
+                        <a:latin typeface="+mn-lt"/>
+                        <a:ea typeface="+mn-ea"/>
+                        <a:cs typeface="+mn-cs"/>
+                      </a:endParaRPr>
+                    </a:p>
+                  </a:txBody>
+                  <a:tcPr anchor="ctr"/>
                 </a:tc>
                 <a:extLst>
                   <a:ext uri="{0D108BD9-81ED-4DB2-BD59-A6C34878D82A}">
@@ -6203,103 +7261,172 @@
                     <a:bodyPr/>
                     <a:lstStyle/>
                     <a:p>
-                      <a:pPr algn="ctr" rtl="1"/>
-                      <a:r>
-                        <a:rPr lang="en-US" sz="1400" dirty="0"/>
+                      <a:pPr algn="ctr"/>
+                      <a:r>
+                        <a:rPr lang="en-US" sz="1100" b="1" kern="1200" dirty="0">
+                          <a:solidFill>
+                            <a:schemeClr val="dk1"/>
+                          </a:solidFill>
+                        </a:rPr>
                         <a:t>Login</a:t>
                       </a:r>
-                      <a:endParaRPr lang="he-IL" sz="1400" dirty="0"/>
-                    </a:p>
-                  </a:txBody>
-                  <a:tcPr/>
-                </a:tc>
-                <a:tc>
-                  <a:txBody>
-                    <a:bodyPr/>
-                    <a:lstStyle/>
-                    <a:p>
-                      <a:pPr algn="ctr" rtl="1"/>
-                      <a:r>
-                        <a:rPr lang="he-IL" sz="1400" dirty="0"/>
-                        <a:t>התחברות למערכת או הרשמה</a:t>
-                      </a:r>
-                    </a:p>
-                  </a:txBody>
-                  <a:tcPr/>
-                </a:tc>
-                <a:tc>
-                  <a:txBody>
-                    <a:bodyPr/>
-                    <a:lstStyle/>
-                    <a:p>
-                      <a:pPr algn="ctr" rtl="1"/>
-                      <a:endParaRPr lang="he-IL" sz="1400" dirty="0"/>
-                    </a:p>
-                  </a:txBody>
-                  <a:tcPr/>
-                </a:tc>
-                <a:tc>
-                  <a:txBody>
-                    <a:bodyPr/>
-                    <a:lstStyle/>
-                    <a:p>
-                      <a:pPr marL="0" marR="0" lvl="0" indent="0" algn="ctr" defTabSz="914388" rtl="1" eaLnBrk="1" fontAlgn="auto" latinLnBrk="0" hangingPunct="1">
-                        <a:lnSpc>
-                          <a:spcPct val="100000"/>
-                        </a:lnSpc>
-                        <a:spcBef>
-                          <a:spcPts val="0"/>
-                        </a:spcBef>
-                        <a:spcAft>
-                          <a:spcPts val="0"/>
-                        </a:spcAft>
-                        <a:buClrTx/>
-                        <a:buSzTx/>
-                        <a:buFontTx/>
-                        <a:buNone/>
-                        <a:tabLst/>
-                        <a:defRPr/>
-                      </a:pPr>
-                      <a:r>
-                        <a:rPr lang="en-US" sz="1400" dirty="0" err="1"/>
-                        <a:t>userContext</a:t>
-                      </a:r>
-                      <a:endParaRPr lang="he-IL" sz="1400" dirty="0"/>
-                    </a:p>
-                  </a:txBody>
-                  <a:tcPr/>
-                </a:tc>
-                <a:tc>
-                  <a:txBody>
-                    <a:bodyPr/>
-                    <a:lstStyle/>
-                    <a:p>
-                      <a:pPr algn="ctr" rtl="1"/>
-                      <a:r>
-                        <a:rPr lang="en-US" sz="1400" dirty="0" err="1"/>
+                      <a:endParaRPr lang="en-US" sz="1100" b="1" kern="1200" dirty="0">
+                        <a:solidFill>
+                          <a:schemeClr val="dk1"/>
+                        </a:solidFill>
+                        <a:latin typeface="+mn-lt"/>
+                        <a:ea typeface="+mn-ea"/>
+                        <a:cs typeface="+mn-cs"/>
+                      </a:endParaRPr>
+                    </a:p>
+                  </a:txBody>
+                  <a:tcPr anchor="ctr"/>
+                </a:tc>
+                <a:tc>
+                  <a:txBody>
+                    <a:bodyPr/>
+                    <a:lstStyle/>
+                    <a:p>
+                      <a:pPr algn="ctr"/>
+                      <a:r>
+                        <a:rPr lang="he-IL" sz="1100" b="1" kern="1200" dirty="0">
+                          <a:solidFill>
+                            <a:schemeClr val="dk1"/>
+                          </a:solidFill>
+                        </a:rPr>
+                        <a:t>מסך התחברות</a:t>
+                      </a:r>
+                      <a:endParaRPr lang="he-IL" sz="1100" b="1" kern="1200" dirty="0">
+                        <a:solidFill>
+                          <a:schemeClr val="dk1"/>
+                        </a:solidFill>
+                        <a:latin typeface="+mn-lt"/>
+                        <a:ea typeface="+mn-ea"/>
+                        <a:cs typeface="+mn-cs"/>
+                      </a:endParaRPr>
+                    </a:p>
+                  </a:txBody>
+                  <a:tcPr anchor="ctr"/>
+                </a:tc>
+                <a:tc>
+                  <a:txBody>
+                    <a:bodyPr/>
+                    <a:lstStyle/>
+                    <a:p>
+                      <a:pPr algn="ctr"/>
+                      <a:r>
+                        <a:rPr lang="he-IL" sz="1100" b="1" kern="1200">
+                          <a:solidFill>
+                            <a:schemeClr val="dk1"/>
+                          </a:solidFill>
+                        </a:rPr>
+                        <a:t>אין</a:t>
+                      </a:r>
+                      <a:endParaRPr lang="he-IL" sz="1100" b="1" kern="1200">
+                        <a:solidFill>
+                          <a:schemeClr val="dk1"/>
+                        </a:solidFill>
+                        <a:latin typeface="+mn-lt"/>
+                        <a:ea typeface="+mn-ea"/>
+                        <a:cs typeface="+mn-cs"/>
+                      </a:endParaRPr>
+                    </a:p>
+                  </a:txBody>
+                  <a:tcPr anchor="ctr"/>
+                </a:tc>
+                <a:tc>
+                  <a:txBody>
+                    <a:bodyPr/>
+                    <a:lstStyle/>
+                    <a:p>
+                      <a:pPr algn="ctr"/>
+                      <a:r>
+                        <a:rPr lang="en-US" sz="1100" b="1" kern="1200">
+                          <a:solidFill>
+                            <a:schemeClr val="dk1"/>
+                          </a:solidFill>
+                        </a:rPr>
+                        <a:t>UserContext</a:t>
+                      </a:r>
+                      <a:endParaRPr lang="en-US" sz="1100" b="1" kern="1200">
+                        <a:solidFill>
+                          <a:schemeClr val="dk1"/>
+                        </a:solidFill>
+                        <a:latin typeface="+mn-lt"/>
+                        <a:ea typeface="+mn-ea"/>
+                        <a:cs typeface="+mn-cs"/>
+                      </a:endParaRPr>
+                    </a:p>
+                  </a:txBody>
+                  <a:tcPr anchor="ctr"/>
+                </a:tc>
+                <a:tc>
+                  <a:txBody>
+                    <a:bodyPr/>
+                    <a:lstStyle/>
+                    <a:p>
+                      <a:pPr algn="ctr"/>
+                      <a:r>
+                        <a:rPr lang="en-US" sz="1100" b="1" kern="1200" dirty="0" err="1">
+                          <a:solidFill>
+                            <a:schemeClr val="dk1"/>
+                          </a:solidFill>
+                        </a:rPr>
                         <a:t>AppLayout</a:t>
                       </a:r>
-                      <a:endParaRPr lang="he-IL" sz="1400" dirty="0"/>
-                    </a:p>
-                  </a:txBody>
-                  <a:tcPr/>
-                </a:tc>
-                <a:tc>
-                  <a:txBody>
-                    <a:bodyPr/>
-                    <a:lstStyle/>
-                    <a:p>
-                      <a:pPr algn="ctr" rtl="1"/>
-                      <a:r>
-                        <a:rPr lang="en-US" sz="1400" dirty="0" err="1">
-                          <a:effectLst/>
+                      <a:endParaRPr lang="en-US" sz="1100" b="1" kern="1200" dirty="0">
+                        <a:solidFill>
+                          <a:schemeClr val="dk1"/>
+                        </a:solidFill>
+                        <a:latin typeface="+mn-lt"/>
+                        <a:ea typeface="+mn-ea"/>
+                        <a:cs typeface="+mn-cs"/>
+                      </a:endParaRPr>
+                    </a:p>
+                  </a:txBody>
+                  <a:tcPr anchor="ctr"/>
+                </a:tc>
+                <a:tc>
+                  <a:txBody>
+                    <a:bodyPr/>
+                    <a:lstStyle/>
+                    <a:p>
+                      <a:pPr algn="ctr"/>
+                      <a:r>
+                        <a:rPr lang="en-US" sz="1100" b="1" kern="1200" dirty="0" err="1">
+                          <a:solidFill>
+                            <a:schemeClr val="dk1"/>
+                          </a:solidFill>
+                        </a:rPr>
+                        <a:t>LoggedIn</a:t>
+                      </a:r>
+                      <a:r>
+                        <a:rPr lang="en-US" sz="1100" b="1" kern="1200" dirty="0">
+                          <a:solidFill>
+                            <a:schemeClr val="dk1"/>
+                          </a:solidFill>
+                        </a:rPr>
+                        <a:t>, </a:t>
+                      </a:r>
+                      <a:r>
+                        <a:rPr lang="en-US" sz="1100" b="1" kern="1200" dirty="0" err="1">
+                          <a:solidFill>
+                            <a:schemeClr val="dk1"/>
+                          </a:solidFill>
                         </a:rPr>
                         <a:t>UpdateUser</a:t>
                       </a:r>
-                      <a:endParaRPr lang="he-IL" sz="1400" dirty="0"/>
-                    </a:p>
-                  </a:txBody>
-                  <a:tcPr/>
+                      <a:endParaRPr lang="en-US" sz="1100" b="1" kern="1200" dirty="0">
+                        <a:solidFill>
+                          <a:schemeClr val="dk1"/>
+                        </a:solidFill>
+                        <a:latin typeface="+mn-lt"/>
+                        <a:ea typeface="+mn-ea"/>
+                        <a:cs typeface="+mn-cs"/>
+                      </a:endParaRPr>
+                    </a:p>
+                  </a:txBody>
+                  <a:tcPr anchor="ctr"/>
                 </a:tc>
                 <a:extLst>
                   <a:ext uri="{0D108BD9-81ED-4DB2-BD59-A6C34878D82A}">
